--- a/Презентация.pptx
+++ b/Презентация.pptx
@@ -452,7 +452,7 @@
           <a:p>
             <a:fld id="{4CC0663A-0268-4140-AE6C-6EA7A45F475D}" type="datetimeFigureOut">
               <a:rPr lang="ru-RU" smtClean="0"/>
-              <a:t>27.04.2024</a:t>
+              <a:t>04.05.2024</a:t>
             </a:fld>
             <a:endParaRPr lang="ru-RU"/>
           </a:p>
@@ -776,7 +776,7 @@
           <a:p>
             <a:fld id="{4CC0663A-0268-4140-AE6C-6EA7A45F475D}" type="datetimeFigureOut">
               <a:rPr lang="ru-RU" smtClean="0"/>
-              <a:t>27.04.2024</a:t>
+              <a:t>04.05.2024</a:t>
             </a:fld>
             <a:endParaRPr lang="ru-RU"/>
           </a:p>
@@ -1024,7 +1024,7 @@
           <a:p>
             <a:fld id="{4CC0663A-0268-4140-AE6C-6EA7A45F475D}" type="datetimeFigureOut">
               <a:rPr lang="ru-RU" smtClean="0"/>
-              <a:t>27.04.2024</a:t>
+              <a:t>04.05.2024</a:t>
             </a:fld>
             <a:endParaRPr lang="ru-RU"/>
           </a:p>
@@ -1363,7 +1363,7 @@
           <a:p>
             <a:fld id="{4CC0663A-0268-4140-AE6C-6EA7A45F475D}" type="datetimeFigureOut">
               <a:rPr lang="ru-RU" smtClean="0"/>
-              <a:t>27.04.2024</a:t>
+              <a:t>04.05.2024</a:t>
             </a:fld>
             <a:endParaRPr lang="ru-RU"/>
           </a:p>
@@ -1710,7 +1710,7 @@
           <a:p>
             <a:fld id="{4CC0663A-0268-4140-AE6C-6EA7A45F475D}" type="datetimeFigureOut">
               <a:rPr lang="ru-RU" smtClean="0"/>
-              <a:t>27.04.2024</a:t>
+              <a:t>04.05.2024</a:t>
             </a:fld>
             <a:endParaRPr lang="ru-RU"/>
           </a:p>
@@ -2084,7 +2084,7 @@
           <a:p>
             <a:fld id="{4CC0663A-0268-4140-AE6C-6EA7A45F475D}" type="datetimeFigureOut">
               <a:rPr lang="ru-RU" smtClean="0"/>
-              <a:t>27.04.2024</a:t>
+              <a:t>04.05.2024</a:t>
             </a:fld>
             <a:endParaRPr lang="ru-RU"/>
           </a:p>
@@ -2554,7 +2554,7 @@
           <a:p>
             <a:fld id="{4CC0663A-0268-4140-AE6C-6EA7A45F475D}" type="datetimeFigureOut">
               <a:rPr lang="ru-RU" smtClean="0"/>
-              <a:t>27.04.2024</a:t>
+              <a:t>04.05.2024</a:t>
             </a:fld>
             <a:endParaRPr lang="ru-RU"/>
           </a:p>
@@ -2759,7 +2759,7 @@
           <a:p>
             <a:fld id="{4CC0663A-0268-4140-AE6C-6EA7A45F475D}" type="datetimeFigureOut">
               <a:rPr lang="ru-RU" smtClean="0"/>
-              <a:t>27.04.2024</a:t>
+              <a:t>04.05.2024</a:t>
             </a:fld>
             <a:endParaRPr lang="ru-RU"/>
           </a:p>
@@ -2970,7 +2970,7 @@
           <a:p>
             <a:fld id="{4CC0663A-0268-4140-AE6C-6EA7A45F475D}" type="datetimeFigureOut">
               <a:rPr lang="ru-RU" smtClean="0"/>
-              <a:t>27.04.2024</a:t>
+              <a:t>04.05.2024</a:t>
             </a:fld>
             <a:endParaRPr lang="ru-RU"/>
           </a:p>
@@ -3202,7 +3202,7 @@
           <a:p>
             <a:fld id="{4CC0663A-0268-4140-AE6C-6EA7A45F475D}" type="datetimeFigureOut">
               <a:rPr lang="ru-RU" smtClean="0"/>
-              <a:t>27.04.2024</a:t>
+              <a:t>04.05.2024</a:t>
             </a:fld>
             <a:endParaRPr lang="ru-RU"/>
           </a:p>
@@ -3450,7 +3450,7 @@
           <a:p>
             <a:fld id="{4CC0663A-0268-4140-AE6C-6EA7A45F475D}" type="datetimeFigureOut">
               <a:rPr lang="ru-RU" smtClean="0"/>
-              <a:t>27.04.2024</a:t>
+              <a:t>04.05.2024</a:t>
             </a:fld>
             <a:endParaRPr lang="ru-RU"/>
           </a:p>
@@ -3748,7 +3748,7 @@
           <a:p>
             <a:fld id="{4CC0663A-0268-4140-AE6C-6EA7A45F475D}" type="datetimeFigureOut">
               <a:rPr lang="ru-RU" smtClean="0"/>
-              <a:t>27.04.2024</a:t>
+              <a:t>04.05.2024</a:t>
             </a:fld>
             <a:endParaRPr lang="ru-RU"/>
           </a:p>
@@ -4142,7 +4142,7 @@
           <a:p>
             <a:fld id="{4CC0663A-0268-4140-AE6C-6EA7A45F475D}" type="datetimeFigureOut">
               <a:rPr lang="ru-RU" smtClean="0"/>
-              <a:t>27.04.2024</a:t>
+              <a:t>04.05.2024</a:t>
             </a:fld>
             <a:endParaRPr lang="ru-RU"/>
           </a:p>
@@ -4291,7 +4291,7 @@
           <a:p>
             <a:fld id="{4CC0663A-0268-4140-AE6C-6EA7A45F475D}" type="datetimeFigureOut">
               <a:rPr lang="ru-RU" smtClean="0"/>
-              <a:t>27.04.2024</a:t>
+              <a:t>04.05.2024</a:t>
             </a:fld>
             <a:endParaRPr lang="ru-RU"/>
           </a:p>
@@ -4417,7 +4417,7 @@
           <a:p>
             <a:fld id="{4CC0663A-0268-4140-AE6C-6EA7A45F475D}" type="datetimeFigureOut">
               <a:rPr lang="ru-RU" smtClean="0"/>
-              <a:t>27.04.2024</a:t>
+              <a:t>04.05.2024</a:t>
             </a:fld>
             <a:endParaRPr lang="ru-RU"/>
           </a:p>
@@ -4672,7 +4672,7 @@
           <a:p>
             <a:fld id="{4CC0663A-0268-4140-AE6C-6EA7A45F475D}" type="datetimeFigureOut">
               <a:rPr lang="ru-RU" smtClean="0"/>
-              <a:t>27.04.2024</a:t>
+              <a:t>04.05.2024</a:t>
             </a:fld>
             <a:endParaRPr lang="ru-RU"/>
           </a:p>
@@ -4987,7 +4987,7 @@
           <a:p>
             <a:fld id="{4CC0663A-0268-4140-AE6C-6EA7A45F475D}" type="datetimeFigureOut">
               <a:rPr lang="ru-RU" smtClean="0"/>
-              <a:t>27.04.2024</a:t>
+              <a:t>04.05.2024</a:t>
             </a:fld>
             <a:endParaRPr lang="ru-RU"/>
           </a:p>
@@ -5338,7 +5338,7 @@
           <a:p>
             <a:fld id="{4CC0663A-0268-4140-AE6C-6EA7A45F475D}" type="datetimeFigureOut">
               <a:rPr lang="ru-RU" smtClean="0"/>
-              <a:t>27.04.2024</a:t>
+              <a:t>04.05.2024</a:t>
             </a:fld>
             <a:endParaRPr lang="ru-RU"/>
           </a:p>
@@ -10194,7 +10194,7 @@
         <p:spPr>
           <a:xfrm>
             <a:off x="639434" y="3067756"/>
-            <a:ext cx="3796574" cy="2457596"/>
+            <a:ext cx="3796574" cy="1829219"/>
           </a:xfrm>
           <a:prstGeom prst="rect">
             <a:avLst/>
@@ -10216,7 +10216,7 @@
                 <a:latin typeface="Arial" panose="020B0604020202020204" pitchFamily="34" charset="0"/>
                 <a:cs typeface="Arial" panose="020B0604020202020204" pitchFamily="34" charset="0"/>
               </a:rPr>
-              <a:t>Подтверждение заказа от пользователя в корзине</a:t>
+              <a:t>Добавление товара в корзину пользователя</a:t>
             </a:r>
             <a:endParaRPr lang="en-US" sz="3467" dirty="0">
               <a:latin typeface="Arial" panose="020B0604020202020204" pitchFamily="34" charset="0"/>
@@ -10227,10 +10227,10 @@
       </p:sp>
       <p:pic>
         <p:nvPicPr>
-          <p:cNvPr id="3" name="Рисунок 2">
+          <p:cNvPr id="4" name="Рисунок 3">
             <a:extLst>
               <a:ext uri="{FF2B5EF4-FFF2-40B4-BE49-F238E27FC236}">
-                <a16:creationId xmlns:a16="http://schemas.microsoft.com/office/drawing/2014/main" id="{28B89B30-2244-4354-B977-B0EB8D9185ED}"/>
+                <a16:creationId xmlns:a16="http://schemas.microsoft.com/office/drawing/2014/main" id="{5852D0F2-150E-4612-AA38-558B1363D252}"/>
               </a:ext>
             </a:extLst>
           </p:cNvPr>
@@ -10247,8 +10247,8 @@
         </p:blipFill>
         <p:spPr>
           <a:xfrm>
-            <a:off x="5045604" y="953206"/>
-            <a:ext cx="5419725" cy="4229100"/>
+            <a:off x="4436008" y="1019881"/>
+            <a:ext cx="6334125" cy="4095750"/>
           </a:xfrm>
           <a:prstGeom prst="rect">
             <a:avLst/>
@@ -10604,7 +10604,7 @@
         <p:spPr>
           <a:xfrm>
             <a:off x="653365" y="3851293"/>
-            <a:ext cx="3796574" cy="1200842"/>
+            <a:ext cx="3426335" cy="1829219"/>
           </a:xfrm>
           <a:prstGeom prst="rect">
             <a:avLst/>
@@ -10626,7 +10626,7 @@
                 <a:latin typeface="Arial" panose="020B0604020202020204" pitchFamily="34" charset="0"/>
                 <a:cs typeface="Arial" panose="020B0604020202020204" pitchFamily="34" charset="0"/>
               </a:rPr>
-              <a:t>И вывод заказов в админ панели</a:t>
+              <a:t>И вывод товаров в корзине</a:t>
             </a:r>
             <a:endParaRPr lang="en-US" sz="3467" dirty="0">
               <a:latin typeface="Arial" panose="020B0604020202020204" pitchFamily="34" charset="0"/>
@@ -10637,10 +10637,10 @@
       </p:sp>
       <p:pic>
         <p:nvPicPr>
-          <p:cNvPr id="4" name="Рисунок 3">
+          <p:cNvPr id="3" name="Рисунок 2">
             <a:extLst>
               <a:ext uri="{FF2B5EF4-FFF2-40B4-BE49-F238E27FC236}">
-                <a16:creationId xmlns:a16="http://schemas.microsoft.com/office/drawing/2014/main" id="{8840F66E-6DBB-470A-9D78-0081A1093389}"/>
+                <a16:creationId xmlns:a16="http://schemas.microsoft.com/office/drawing/2014/main" id="{A7049BF2-E7C0-4D56-8514-98F0D76CD880}"/>
               </a:ext>
             </a:extLst>
           </p:cNvPr>
@@ -10657,38 +10657,8 @@
         </p:blipFill>
         <p:spPr>
           <a:xfrm>
-            <a:off x="4449939" y="3123670"/>
-            <a:ext cx="6972300" cy="2981325"/>
-          </a:xfrm>
-          <a:prstGeom prst="rect">
-            <a:avLst/>
-          </a:prstGeom>
-        </p:spPr>
-      </p:pic>
-      <p:pic>
-        <p:nvPicPr>
-          <p:cNvPr id="8" name="Рисунок 7">
-            <a:extLst>
-              <a:ext uri="{FF2B5EF4-FFF2-40B4-BE49-F238E27FC236}">
-                <a16:creationId xmlns:a16="http://schemas.microsoft.com/office/drawing/2014/main" id="{14F55DF0-B43B-4417-96E0-398CB71253B8}"/>
-              </a:ext>
-            </a:extLst>
-          </p:cNvPr>
-          <p:cNvPicPr>
-            <a:picLocks noChangeAspect="1"/>
-          </p:cNvPicPr>
-          <p:nvPr/>
-        </p:nvPicPr>
-        <p:blipFill>
-          <a:blip r:embed="rId3"/>
-          <a:stretch>
-            <a:fillRect/>
-          </a:stretch>
-        </p:blipFill>
-        <p:spPr>
-          <a:xfrm>
-            <a:off x="4664293" y="946514"/>
-            <a:ext cx="4133850" cy="1047750"/>
+            <a:off x="4079700" y="1570055"/>
+            <a:ext cx="7324725" cy="4562475"/>
           </a:xfrm>
           <a:prstGeom prst="rect">
             <a:avLst/>
@@ -10705,13 +10675,13 @@
   <p:clrMapOvr>
     <a:masterClrMapping/>
   </p:clrMapOvr>
-  <mc:AlternateContent xmlns:mc="http://schemas.openxmlformats.org/markup-compatibility/2006">
-    <mc:Choice xmlns:p14="http://schemas.microsoft.com/office/powerpoint/2010/main" Requires="p14">
+  <mc:AlternateContent xmlns:mc="http://schemas.openxmlformats.org/markup-compatibility/2006" xmlns:p14="http://schemas.microsoft.com/office/powerpoint/2010/main">
+    <mc:Choice Requires="p14">
       <p:transition spd="slow" p14:dur="1250">
         <p14:switch dir="r"/>
       </p:transition>
     </mc:Choice>
-    <mc:Fallback>
+    <mc:Fallback xmlns="">
       <p:transition spd="slow">
         <p:fade/>
       </p:transition>

--- a/Презентация.pptx
+++ b/Презентация.pptx
@@ -11,10 +11,16 @@
     <p:sldId id="261" r:id="rId5"/>
     <p:sldId id="270" r:id="rId6"/>
     <p:sldId id="272" r:id="rId7"/>
-    <p:sldId id="262" r:id="rId8"/>
-    <p:sldId id="266" r:id="rId9"/>
-    <p:sldId id="273" r:id="rId10"/>
-    <p:sldId id="269" r:id="rId11"/>
+    <p:sldId id="275" r:id="rId8"/>
+    <p:sldId id="262" r:id="rId9"/>
+    <p:sldId id="274" r:id="rId10"/>
+    <p:sldId id="266" r:id="rId11"/>
+    <p:sldId id="273" r:id="rId12"/>
+    <p:sldId id="276" r:id="rId13"/>
+    <p:sldId id="277" r:id="rId14"/>
+    <p:sldId id="278" r:id="rId15"/>
+    <p:sldId id="279" r:id="rId16"/>
+    <p:sldId id="269" r:id="rId17"/>
   </p:sldIdLst>
   <p:sldSz cx="12192000" cy="6858000"/>
   <p:notesSz cx="6858000" cy="9144000"/>
@@ -5889,8 +5895,8 @@
         </p:nvSpPr>
         <p:spPr>
           <a:xfrm>
-            <a:off x="2469445" y="2742594"/>
-            <a:ext cx="8894297" cy="686406"/>
+            <a:off x="942486" y="2130035"/>
+            <a:ext cx="10474198" cy="1417376"/>
           </a:xfrm>
           <a:prstGeom prst="rect">
             <a:avLst/>
@@ -5908,15 +5914,22 @@
               </a:lnSpc>
             </a:pPr>
             <a:r>
-              <a:rPr lang="en-US" sz="4733" dirty="0" err="1">
+              <a:rPr lang="ru-RU" sz="4733" dirty="0">
                 <a:solidFill>
                   <a:srgbClr val="000709"/>
                 </a:solidFill>
                 <a:latin typeface="Arial" panose="020B0604020202020204" pitchFamily="34" charset="0"/>
                 <a:cs typeface="Arial" panose="020B0604020202020204" pitchFamily="34" charset="0"/>
               </a:rPr>
-              <a:t>Интерне</a:t>
-            </a:r>
+              <a:t>РАЗРАБОТКА ПРОГРАММНОГО</a:t>
+            </a:r>
+          </a:p>
+          <a:p>
+            <a:pPr>
+              <a:lnSpc>
+                <a:spcPts val="5680"/>
+              </a:lnSpc>
+            </a:pPr>
             <a:r>
               <a:rPr lang="ru-RU" sz="4733" dirty="0">
                 <a:solidFill>
@@ -5925,55 +5938,8 @@
                 <a:latin typeface="Arial" panose="020B0604020202020204" pitchFamily="34" charset="0"/>
                 <a:cs typeface="Arial" panose="020B0604020202020204" pitchFamily="34" charset="0"/>
               </a:rPr>
-              <a:t>т-</a:t>
-            </a:r>
-            <a:r>
-              <a:rPr lang="en-US" sz="4733" dirty="0" err="1">
-                <a:solidFill>
-                  <a:srgbClr val="000709"/>
-                </a:solidFill>
-                <a:latin typeface="Arial" panose="020B0604020202020204" pitchFamily="34" charset="0"/>
-                <a:cs typeface="Arial" panose="020B0604020202020204" pitchFamily="34" charset="0"/>
-              </a:rPr>
-              <a:t>магази</a:t>
-            </a:r>
-            <a:r>
-              <a:rPr lang="ru-RU" sz="4733" dirty="0">
-                <a:solidFill>
-                  <a:srgbClr val="000709"/>
-                </a:solidFill>
-                <a:latin typeface="Arial" panose="020B0604020202020204" pitchFamily="34" charset="0"/>
-                <a:cs typeface="Arial" panose="020B0604020202020204" pitchFamily="34" charset="0"/>
-              </a:rPr>
-              <a:t>н</a:t>
-            </a:r>
-            <a:r>
-              <a:rPr lang="en-US" sz="4733" dirty="0">
-                <a:solidFill>
-                  <a:srgbClr val="000709"/>
-                </a:solidFill>
-                <a:latin typeface="Arial" panose="020B0604020202020204" pitchFamily="34" charset="0"/>
-                <a:cs typeface="Arial" panose="020B0604020202020204" pitchFamily="34" charset="0"/>
-              </a:rPr>
-              <a:t> </a:t>
-            </a:r>
-            <a:r>
-              <a:rPr lang="ru-RU" sz="4733" dirty="0">
-                <a:solidFill>
-                  <a:srgbClr val="000709"/>
-                </a:solidFill>
-                <a:latin typeface="Arial" panose="020B0604020202020204" pitchFamily="34" charset="0"/>
-                <a:cs typeface="Arial" panose="020B0604020202020204" pitchFamily="34" charset="0"/>
-              </a:rPr>
-              <a:t>техники</a:t>
-            </a:r>
-            <a:endParaRPr lang="en-US" sz="4733" dirty="0">
-              <a:solidFill>
-                <a:srgbClr val="000709"/>
-              </a:solidFill>
-              <a:latin typeface="Arial" panose="020B0604020202020204" pitchFamily="34" charset="0"/>
-              <a:cs typeface="Arial" panose="020B0604020202020204" pitchFamily="34" charset="0"/>
-            </a:endParaRPr>
+              <a:t>ПРОДУКТА «ИНТЕРНЕТ-МАГАЗИН»</a:t>
+            </a:r>
           </a:p>
         </p:txBody>
       </p:sp>
@@ -6108,6 +6074,1955 @@
 </file>
 
 <file path=ppt/slides/slide10.xml><?xml version="1.0" encoding="utf-8"?>
+<p:sld xmlns:a="http://schemas.openxmlformats.org/drawingml/2006/main" xmlns:r="http://schemas.openxmlformats.org/officeDocument/2006/relationships" xmlns:p="http://schemas.openxmlformats.org/presentationml/2006/main">
+  <p:cSld>
+    <p:spTree>
+      <p:nvGrpSpPr>
+        <p:cNvPr id="1" name=""/>
+        <p:cNvGrpSpPr/>
+        <p:nvPr/>
+      </p:nvGrpSpPr>
+      <p:grpSpPr>
+        <a:xfrm>
+          <a:off x="0" y="0"/>
+          <a:ext cx="0" cy="0"/>
+          <a:chOff x="0" y="0"/>
+          <a:chExt cx="0" cy="0"/>
+        </a:xfrm>
+      </p:grpSpPr>
+      <p:sp>
+        <p:nvSpPr>
+          <p:cNvPr id="5" name="TextBox 5"/>
+          <p:cNvSpPr txBox="1"/>
+          <p:nvPr/>
+        </p:nvSpPr>
+        <p:spPr>
+          <a:xfrm>
+            <a:off x="867719" y="345979"/>
+            <a:ext cx="2958693" cy="2060308"/>
+          </a:xfrm>
+          <a:prstGeom prst="rect">
+            <a:avLst/>
+          </a:prstGeom>
+        </p:spPr>
+        <p:txBody>
+          <a:bodyPr wrap="square" lIns="0" tIns="0" rIns="0" bIns="0" rtlCol="0" anchor="t">
+            <a:spAutoFit/>
+          </a:bodyPr>
+          <a:lstStyle/>
+          <a:p>
+            <a:pPr algn="ctr">
+              <a:lnSpc>
+                <a:spcPts val="8400"/>
+              </a:lnSpc>
+            </a:pPr>
+            <a:r>
+              <a:rPr lang="ru-RU" sz="6000" dirty="0">
+                <a:latin typeface="Arial" panose="020B0604020202020204" pitchFamily="34" charset="0"/>
+                <a:cs typeface="Arial" panose="020B0604020202020204" pitchFamily="34" charset="0"/>
+              </a:rPr>
+              <a:t>Пример кода</a:t>
+            </a:r>
+            <a:endParaRPr lang="en-US" sz="6000" dirty="0">
+              <a:latin typeface="Arial" panose="020B0604020202020204" pitchFamily="34" charset="0"/>
+              <a:cs typeface="Arial" panose="020B0604020202020204" pitchFamily="34" charset="0"/>
+            </a:endParaRPr>
+          </a:p>
+        </p:txBody>
+      </p:sp>
+      <p:sp>
+        <p:nvSpPr>
+          <p:cNvPr id="6" name="TextBox 6"/>
+          <p:cNvSpPr txBox="1"/>
+          <p:nvPr/>
+        </p:nvSpPr>
+        <p:spPr>
+          <a:xfrm>
+            <a:off x="639434" y="3067756"/>
+            <a:ext cx="3796574" cy="1829219"/>
+          </a:xfrm>
+          <a:prstGeom prst="rect">
+            <a:avLst/>
+          </a:prstGeom>
+        </p:spPr>
+        <p:txBody>
+          <a:bodyPr wrap="square" lIns="0" tIns="0" rIns="0" bIns="0" rtlCol="0" anchor="t">
+            <a:spAutoFit/>
+          </a:bodyPr>
+          <a:lstStyle/>
+          <a:p>
+            <a:pPr algn="ctr">
+              <a:lnSpc>
+                <a:spcPts val="4854"/>
+              </a:lnSpc>
+            </a:pPr>
+            <a:r>
+              <a:rPr lang="ru-RU" sz="3467" dirty="0">
+                <a:latin typeface="Arial" panose="020B0604020202020204" pitchFamily="34" charset="0"/>
+                <a:cs typeface="Arial" panose="020B0604020202020204" pitchFamily="34" charset="0"/>
+              </a:rPr>
+              <a:t>Добавление товара в корзину пользователя</a:t>
+            </a:r>
+            <a:endParaRPr lang="en-US" sz="3467" dirty="0">
+              <a:latin typeface="Arial" panose="020B0604020202020204" pitchFamily="34" charset="0"/>
+              <a:cs typeface="Arial" panose="020B0604020202020204" pitchFamily="34" charset="0"/>
+            </a:endParaRPr>
+          </a:p>
+        </p:txBody>
+      </p:sp>
+      <p:pic>
+        <p:nvPicPr>
+          <p:cNvPr id="4" name="Рисунок 3">
+            <a:extLst>
+              <a:ext uri="{FF2B5EF4-FFF2-40B4-BE49-F238E27FC236}">
+                <a16:creationId xmlns:a16="http://schemas.microsoft.com/office/drawing/2014/main" id="{5852D0F2-150E-4612-AA38-558B1363D252}"/>
+              </a:ext>
+            </a:extLst>
+          </p:cNvPr>
+          <p:cNvPicPr>
+            <a:picLocks noChangeAspect="1"/>
+          </p:cNvPicPr>
+          <p:nvPr/>
+        </p:nvPicPr>
+        <p:blipFill>
+          <a:blip r:embed="rId2"/>
+          <a:stretch>
+            <a:fillRect/>
+          </a:stretch>
+        </p:blipFill>
+        <p:spPr>
+          <a:xfrm>
+            <a:off x="4436008" y="1019881"/>
+            <a:ext cx="6334125" cy="4095750"/>
+          </a:xfrm>
+          <a:prstGeom prst="rect">
+            <a:avLst/>
+          </a:prstGeom>
+        </p:spPr>
+      </p:pic>
+    </p:spTree>
+  </p:cSld>
+  <p:clrMapOvr>
+    <a:masterClrMapping/>
+  </p:clrMapOvr>
+  <mc:AlternateContent xmlns:mc="http://schemas.openxmlformats.org/markup-compatibility/2006" xmlns:p14="http://schemas.microsoft.com/office/powerpoint/2010/main">
+    <mc:Choice Requires="p14">
+      <p:transition spd="slow" p14:dur="1250">
+        <p14:switch dir="r"/>
+      </p:transition>
+    </mc:Choice>
+    <mc:Fallback xmlns="">
+      <p:transition spd="slow">
+        <p:fade/>
+      </p:transition>
+    </mc:Fallback>
+  </mc:AlternateContent>
+  <p:timing>
+    <p:tnLst>
+      <p:par>
+        <p:cTn id="1" dur="indefinite" restart="never" nodeType="tmRoot">
+          <p:childTnLst>
+            <p:seq concurrent="1" nextAc="seek">
+              <p:cTn id="2" dur="indefinite" nodeType="mainSeq">
+                <p:childTnLst>
+                  <p:par>
+                    <p:cTn id="3" fill="hold">
+                      <p:stCondLst>
+                        <p:cond delay="indefinite"/>
+                        <p:cond evt="onBegin" delay="0">
+                          <p:tn val="2"/>
+                        </p:cond>
+                      </p:stCondLst>
+                      <p:childTnLst>
+                        <p:par>
+                          <p:cTn id="4" fill="hold">
+                            <p:stCondLst>
+                              <p:cond delay="0"/>
+                            </p:stCondLst>
+                            <p:childTnLst>
+                              <p:par>
+                                <p:cTn id="5" presetID="31" presetClass="entr" presetSubtype="0" fill="hold" grpId="0" nodeType="withEffect">
+                                  <p:stCondLst>
+                                    <p:cond delay="0"/>
+                                  </p:stCondLst>
+                                  <p:childTnLst>
+                                    <p:set>
+                                      <p:cBhvr>
+                                        <p:cTn id="6" dur="1" fill="hold">
+                                          <p:stCondLst>
+                                            <p:cond delay="0"/>
+                                          </p:stCondLst>
+                                        </p:cTn>
+                                        <p:tgtEl>
+                                          <p:spTgt spid="5"/>
+                                        </p:tgtEl>
+                                        <p:attrNameLst>
+                                          <p:attrName>style.visibility</p:attrName>
+                                        </p:attrNameLst>
+                                      </p:cBhvr>
+                                      <p:to>
+                                        <p:strVal val="visible"/>
+                                      </p:to>
+                                    </p:set>
+                                    <p:anim calcmode="lin" valueType="num">
+                                      <p:cBhvr>
+                                        <p:cTn id="7" dur="1000" fill="hold"/>
+                                        <p:tgtEl>
+                                          <p:spTgt spid="5"/>
+                                        </p:tgtEl>
+                                        <p:attrNameLst>
+                                          <p:attrName>ppt_w</p:attrName>
+                                        </p:attrNameLst>
+                                      </p:cBhvr>
+                                      <p:tavLst>
+                                        <p:tav tm="0">
+                                          <p:val>
+                                            <p:fltVal val="0"/>
+                                          </p:val>
+                                        </p:tav>
+                                        <p:tav tm="100000">
+                                          <p:val>
+                                            <p:strVal val="#ppt_w"/>
+                                          </p:val>
+                                        </p:tav>
+                                      </p:tavLst>
+                                    </p:anim>
+                                    <p:anim calcmode="lin" valueType="num">
+                                      <p:cBhvr>
+                                        <p:cTn id="8" dur="1000" fill="hold"/>
+                                        <p:tgtEl>
+                                          <p:spTgt spid="5"/>
+                                        </p:tgtEl>
+                                        <p:attrNameLst>
+                                          <p:attrName>ppt_h</p:attrName>
+                                        </p:attrNameLst>
+                                      </p:cBhvr>
+                                      <p:tavLst>
+                                        <p:tav tm="0">
+                                          <p:val>
+                                            <p:fltVal val="0"/>
+                                          </p:val>
+                                        </p:tav>
+                                        <p:tav tm="100000">
+                                          <p:val>
+                                            <p:strVal val="#ppt_h"/>
+                                          </p:val>
+                                        </p:tav>
+                                      </p:tavLst>
+                                    </p:anim>
+                                    <p:anim calcmode="lin" valueType="num">
+                                      <p:cBhvr>
+                                        <p:cTn id="9" dur="1000" fill="hold"/>
+                                        <p:tgtEl>
+                                          <p:spTgt spid="5"/>
+                                        </p:tgtEl>
+                                        <p:attrNameLst>
+                                          <p:attrName>style.rotation</p:attrName>
+                                        </p:attrNameLst>
+                                      </p:cBhvr>
+                                      <p:tavLst>
+                                        <p:tav tm="0">
+                                          <p:val>
+                                            <p:fltVal val="90"/>
+                                          </p:val>
+                                        </p:tav>
+                                        <p:tav tm="100000">
+                                          <p:val>
+                                            <p:fltVal val="0"/>
+                                          </p:val>
+                                        </p:tav>
+                                      </p:tavLst>
+                                    </p:anim>
+                                    <p:animEffect transition="in" filter="fade">
+                                      <p:cBhvr>
+                                        <p:cTn id="10" dur="1000"/>
+                                        <p:tgtEl>
+                                          <p:spTgt spid="5"/>
+                                        </p:tgtEl>
+                                      </p:cBhvr>
+                                    </p:animEffect>
+                                  </p:childTnLst>
+                                </p:cTn>
+                              </p:par>
+                              <p:par>
+                                <p:cTn id="11" presetID="31" presetClass="entr" presetSubtype="0" fill="hold" grpId="0" nodeType="withEffect">
+                                  <p:stCondLst>
+                                    <p:cond delay="0"/>
+                                  </p:stCondLst>
+                                  <p:childTnLst>
+                                    <p:set>
+                                      <p:cBhvr>
+                                        <p:cTn id="12" dur="1" fill="hold">
+                                          <p:stCondLst>
+                                            <p:cond delay="0"/>
+                                          </p:stCondLst>
+                                        </p:cTn>
+                                        <p:tgtEl>
+                                          <p:spTgt spid="6"/>
+                                        </p:tgtEl>
+                                        <p:attrNameLst>
+                                          <p:attrName>style.visibility</p:attrName>
+                                        </p:attrNameLst>
+                                      </p:cBhvr>
+                                      <p:to>
+                                        <p:strVal val="visible"/>
+                                      </p:to>
+                                    </p:set>
+                                    <p:anim calcmode="lin" valueType="num">
+                                      <p:cBhvr>
+                                        <p:cTn id="13" dur="1000" fill="hold"/>
+                                        <p:tgtEl>
+                                          <p:spTgt spid="6"/>
+                                        </p:tgtEl>
+                                        <p:attrNameLst>
+                                          <p:attrName>ppt_w</p:attrName>
+                                        </p:attrNameLst>
+                                      </p:cBhvr>
+                                      <p:tavLst>
+                                        <p:tav tm="0">
+                                          <p:val>
+                                            <p:fltVal val="0"/>
+                                          </p:val>
+                                        </p:tav>
+                                        <p:tav tm="100000">
+                                          <p:val>
+                                            <p:strVal val="#ppt_w"/>
+                                          </p:val>
+                                        </p:tav>
+                                      </p:tavLst>
+                                    </p:anim>
+                                    <p:anim calcmode="lin" valueType="num">
+                                      <p:cBhvr>
+                                        <p:cTn id="14" dur="1000" fill="hold"/>
+                                        <p:tgtEl>
+                                          <p:spTgt spid="6"/>
+                                        </p:tgtEl>
+                                        <p:attrNameLst>
+                                          <p:attrName>ppt_h</p:attrName>
+                                        </p:attrNameLst>
+                                      </p:cBhvr>
+                                      <p:tavLst>
+                                        <p:tav tm="0">
+                                          <p:val>
+                                            <p:fltVal val="0"/>
+                                          </p:val>
+                                        </p:tav>
+                                        <p:tav tm="100000">
+                                          <p:val>
+                                            <p:strVal val="#ppt_h"/>
+                                          </p:val>
+                                        </p:tav>
+                                      </p:tavLst>
+                                    </p:anim>
+                                    <p:anim calcmode="lin" valueType="num">
+                                      <p:cBhvr>
+                                        <p:cTn id="15" dur="1000" fill="hold"/>
+                                        <p:tgtEl>
+                                          <p:spTgt spid="6"/>
+                                        </p:tgtEl>
+                                        <p:attrNameLst>
+                                          <p:attrName>style.rotation</p:attrName>
+                                        </p:attrNameLst>
+                                      </p:cBhvr>
+                                      <p:tavLst>
+                                        <p:tav tm="0">
+                                          <p:val>
+                                            <p:fltVal val="90"/>
+                                          </p:val>
+                                        </p:tav>
+                                        <p:tav tm="100000">
+                                          <p:val>
+                                            <p:fltVal val="0"/>
+                                          </p:val>
+                                        </p:tav>
+                                      </p:tavLst>
+                                    </p:anim>
+                                    <p:animEffect transition="in" filter="fade">
+                                      <p:cBhvr>
+                                        <p:cTn id="16" dur="1000"/>
+                                        <p:tgtEl>
+                                          <p:spTgt spid="6"/>
+                                        </p:tgtEl>
+                                      </p:cBhvr>
+                                    </p:animEffect>
+                                  </p:childTnLst>
+                                </p:cTn>
+                              </p:par>
+                            </p:childTnLst>
+                          </p:cTn>
+                        </p:par>
+                      </p:childTnLst>
+                    </p:cTn>
+                  </p:par>
+                </p:childTnLst>
+              </p:cTn>
+              <p:prevCondLst>
+                <p:cond evt="onPrev" delay="0">
+                  <p:tgtEl>
+                    <p:sldTgt/>
+                  </p:tgtEl>
+                </p:cond>
+              </p:prevCondLst>
+              <p:nextCondLst>
+                <p:cond evt="onNext" delay="0">
+                  <p:tgtEl>
+                    <p:sldTgt/>
+                  </p:tgtEl>
+                </p:cond>
+              </p:nextCondLst>
+            </p:seq>
+          </p:childTnLst>
+        </p:cTn>
+      </p:par>
+    </p:tnLst>
+    <p:bldLst>
+      <p:bldP spid="5" grpId="0"/>
+      <p:bldP spid="6" grpId="0"/>
+    </p:bldLst>
+  </p:timing>
+</p:sld>
+</file>
+
+<file path=ppt/slides/slide11.xml><?xml version="1.0" encoding="utf-8"?>
+<p:sld xmlns:a="http://schemas.openxmlformats.org/drawingml/2006/main" xmlns:r="http://schemas.openxmlformats.org/officeDocument/2006/relationships" xmlns:p="http://schemas.openxmlformats.org/presentationml/2006/main">
+  <p:cSld>
+    <p:spTree>
+      <p:nvGrpSpPr>
+        <p:cNvPr id="1" name=""/>
+        <p:cNvGrpSpPr/>
+        <p:nvPr/>
+      </p:nvGrpSpPr>
+      <p:grpSpPr>
+        <a:xfrm>
+          <a:off x="0" y="0"/>
+          <a:ext cx="0" cy="0"/>
+          <a:chOff x="0" y="0"/>
+          <a:chExt cx="0" cy="0"/>
+        </a:xfrm>
+      </p:grpSpPr>
+      <p:sp>
+        <p:nvSpPr>
+          <p:cNvPr id="5" name="TextBox 5"/>
+          <p:cNvSpPr txBox="1"/>
+          <p:nvPr/>
+        </p:nvSpPr>
+        <p:spPr>
+          <a:xfrm>
+            <a:off x="867719" y="345979"/>
+            <a:ext cx="2958693" cy="2060308"/>
+          </a:xfrm>
+          <a:prstGeom prst="rect">
+            <a:avLst/>
+          </a:prstGeom>
+        </p:spPr>
+        <p:txBody>
+          <a:bodyPr wrap="square" lIns="0" tIns="0" rIns="0" bIns="0" rtlCol="0" anchor="t">
+            <a:spAutoFit/>
+          </a:bodyPr>
+          <a:lstStyle/>
+          <a:p>
+            <a:pPr algn="ctr">
+              <a:lnSpc>
+                <a:spcPts val="8400"/>
+              </a:lnSpc>
+            </a:pPr>
+            <a:r>
+              <a:rPr lang="ru-RU" sz="6000" dirty="0">
+                <a:latin typeface="Arial" panose="020B0604020202020204" pitchFamily="34" charset="0"/>
+                <a:cs typeface="Arial" panose="020B0604020202020204" pitchFamily="34" charset="0"/>
+              </a:rPr>
+              <a:t>Пример кода</a:t>
+            </a:r>
+            <a:endParaRPr lang="en-US" sz="6000" dirty="0">
+              <a:latin typeface="Arial" panose="020B0604020202020204" pitchFamily="34" charset="0"/>
+              <a:cs typeface="Arial" panose="020B0604020202020204" pitchFamily="34" charset="0"/>
+            </a:endParaRPr>
+          </a:p>
+        </p:txBody>
+      </p:sp>
+      <p:sp>
+        <p:nvSpPr>
+          <p:cNvPr id="6" name="TextBox 6"/>
+          <p:cNvSpPr txBox="1"/>
+          <p:nvPr/>
+        </p:nvSpPr>
+        <p:spPr>
+          <a:xfrm>
+            <a:off x="653365" y="3851293"/>
+            <a:ext cx="3426335" cy="1829219"/>
+          </a:xfrm>
+          <a:prstGeom prst="rect">
+            <a:avLst/>
+          </a:prstGeom>
+        </p:spPr>
+        <p:txBody>
+          <a:bodyPr wrap="square" lIns="0" tIns="0" rIns="0" bIns="0" rtlCol="0" anchor="t">
+            <a:spAutoFit/>
+          </a:bodyPr>
+          <a:lstStyle/>
+          <a:p>
+            <a:pPr algn="ctr">
+              <a:lnSpc>
+                <a:spcPts val="4854"/>
+              </a:lnSpc>
+            </a:pPr>
+            <a:r>
+              <a:rPr lang="ru-RU" sz="3467" dirty="0">
+                <a:latin typeface="Arial" panose="020B0604020202020204" pitchFamily="34" charset="0"/>
+                <a:cs typeface="Arial" panose="020B0604020202020204" pitchFamily="34" charset="0"/>
+              </a:rPr>
+              <a:t>И вывод товаров в корзине</a:t>
+            </a:r>
+            <a:endParaRPr lang="en-US" sz="3467" dirty="0">
+              <a:latin typeface="Arial" panose="020B0604020202020204" pitchFamily="34" charset="0"/>
+              <a:cs typeface="Arial" panose="020B0604020202020204" pitchFamily="34" charset="0"/>
+            </a:endParaRPr>
+          </a:p>
+        </p:txBody>
+      </p:sp>
+      <p:pic>
+        <p:nvPicPr>
+          <p:cNvPr id="3" name="Рисунок 2">
+            <a:extLst>
+              <a:ext uri="{FF2B5EF4-FFF2-40B4-BE49-F238E27FC236}">
+                <a16:creationId xmlns:a16="http://schemas.microsoft.com/office/drawing/2014/main" id="{A7049BF2-E7C0-4D56-8514-98F0D76CD880}"/>
+              </a:ext>
+            </a:extLst>
+          </p:cNvPr>
+          <p:cNvPicPr>
+            <a:picLocks noChangeAspect="1"/>
+          </p:cNvPicPr>
+          <p:nvPr/>
+        </p:nvPicPr>
+        <p:blipFill>
+          <a:blip r:embed="rId2"/>
+          <a:stretch>
+            <a:fillRect/>
+          </a:stretch>
+        </p:blipFill>
+        <p:spPr>
+          <a:xfrm>
+            <a:off x="4079700" y="1570055"/>
+            <a:ext cx="7324725" cy="4562475"/>
+          </a:xfrm>
+          <a:prstGeom prst="rect">
+            <a:avLst/>
+          </a:prstGeom>
+        </p:spPr>
+      </p:pic>
+    </p:spTree>
+    <p:extLst>
+      <p:ext uri="{BB962C8B-B14F-4D97-AF65-F5344CB8AC3E}">
+        <p14:creationId xmlns:p14="http://schemas.microsoft.com/office/powerpoint/2010/main" val="3426604564"/>
+      </p:ext>
+    </p:extLst>
+  </p:cSld>
+  <p:clrMapOvr>
+    <a:masterClrMapping/>
+  </p:clrMapOvr>
+  <mc:AlternateContent xmlns:mc="http://schemas.openxmlformats.org/markup-compatibility/2006" xmlns:p14="http://schemas.microsoft.com/office/powerpoint/2010/main">
+    <mc:Choice Requires="p14">
+      <p:transition spd="slow" p14:dur="1250">
+        <p14:switch dir="r"/>
+      </p:transition>
+    </mc:Choice>
+    <mc:Fallback xmlns="">
+      <p:transition spd="slow">
+        <p:fade/>
+      </p:transition>
+    </mc:Fallback>
+  </mc:AlternateContent>
+  <p:timing>
+    <p:tnLst>
+      <p:par>
+        <p:cTn id="1" dur="indefinite" restart="never" nodeType="tmRoot">
+          <p:childTnLst>
+            <p:seq concurrent="1" nextAc="seek">
+              <p:cTn id="2" dur="indefinite" nodeType="mainSeq">
+                <p:childTnLst>
+                  <p:par>
+                    <p:cTn id="3" fill="hold">
+                      <p:stCondLst>
+                        <p:cond delay="indefinite"/>
+                        <p:cond evt="onBegin" delay="0">
+                          <p:tn val="2"/>
+                        </p:cond>
+                      </p:stCondLst>
+                      <p:childTnLst>
+                        <p:par>
+                          <p:cTn id="4" fill="hold">
+                            <p:stCondLst>
+                              <p:cond delay="0"/>
+                            </p:stCondLst>
+                            <p:childTnLst>
+                              <p:par>
+                                <p:cTn id="5" presetID="31" presetClass="entr" presetSubtype="0" fill="hold" grpId="0" nodeType="withEffect">
+                                  <p:stCondLst>
+                                    <p:cond delay="0"/>
+                                  </p:stCondLst>
+                                  <p:childTnLst>
+                                    <p:set>
+                                      <p:cBhvr>
+                                        <p:cTn id="6" dur="1" fill="hold">
+                                          <p:stCondLst>
+                                            <p:cond delay="0"/>
+                                          </p:stCondLst>
+                                        </p:cTn>
+                                        <p:tgtEl>
+                                          <p:spTgt spid="5"/>
+                                        </p:tgtEl>
+                                        <p:attrNameLst>
+                                          <p:attrName>style.visibility</p:attrName>
+                                        </p:attrNameLst>
+                                      </p:cBhvr>
+                                      <p:to>
+                                        <p:strVal val="visible"/>
+                                      </p:to>
+                                    </p:set>
+                                    <p:anim calcmode="lin" valueType="num">
+                                      <p:cBhvr>
+                                        <p:cTn id="7" dur="1000" fill="hold"/>
+                                        <p:tgtEl>
+                                          <p:spTgt spid="5"/>
+                                        </p:tgtEl>
+                                        <p:attrNameLst>
+                                          <p:attrName>ppt_w</p:attrName>
+                                        </p:attrNameLst>
+                                      </p:cBhvr>
+                                      <p:tavLst>
+                                        <p:tav tm="0">
+                                          <p:val>
+                                            <p:fltVal val="0"/>
+                                          </p:val>
+                                        </p:tav>
+                                        <p:tav tm="100000">
+                                          <p:val>
+                                            <p:strVal val="#ppt_w"/>
+                                          </p:val>
+                                        </p:tav>
+                                      </p:tavLst>
+                                    </p:anim>
+                                    <p:anim calcmode="lin" valueType="num">
+                                      <p:cBhvr>
+                                        <p:cTn id="8" dur="1000" fill="hold"/>
+                                        <p:tgtEl>
+                                          <p:spTgt spid="5"/>
+                                        </p:tgtEl>
+                                        <p:attrNameLst>
+                                          <p:attrName>ppt_h</p:attrName>
+                                        </p:attrNameLst>
+                                      </p:cBhvr>
+                                      <p:tavLst>
+                                        <p:tav tm="0">
+                                          <p:val>
+                                            <p:fltVal val="0"/>
+                                          </p:val>
+                                        </p:tav>
+                                        <p:tav tm="100000">
+                                          <p:val>
+                                            <p:strVal val="#ppt_h"/>
+                                          </p:val>
+                                        </p:tav>
+                                      </p:tavLst>
+                                    </p:anim>
+                                    <p:anim calcmode="lin" valueType="num">
+                                      <p:cBhvr>
+                                        <p:cTn id="9" dur="1000" fill="hold"/>
+                                        <p:tgtEl>
+                                          <p:spTgt spid="5"/>
+                                        </p:tgtEl>
+                                        <p:attrNameLst>
+                                          <p:attrName>style.rotation</p:attrName>
+                                        </p:attrNameLst>
+                                      </p:cBhvr>
+                                      <p:tavLst>
+                                        <p:tav tm="0">
+                                          <p:val>
+                                            <p:fltVal val="90"/>
+                                          </p:val>
+                                        </p:tav>
+                                        <p:tav tm="100000">
+                                          <p:val>
+                                            <p:fltVal val="0"/>
+                                          </p:val>
+                                        </p:tav>
+                                      </p:tavLst>
+                                    </p:anim>
+                                    <p:animEffect transition="in" filter="fade">
+                                      <p:cBhvr>
+                                        <p:cTn id="10" dur="1000"/>
+                                        <p:tgtEl>
+                                          <p:spTgt spid="5"/>
+                                        </p:tgtEl>
+                                      </p:cBhvr>
+                                    </p:animEffect>
+                                  </p:childTnLst>
+                                </p:cTn>
+                              </p:par>
+                              <p:par>
+                                <p:cTn id="11" presetID="31" presetClass="entr" presetSubtype="0" fill="hold" grpId="0" nodeType="withEffect">
+                                  <p:stCondLst>
+                                    <p:cond delay="0"/>
+                                  </p:stCondLst>
+                                  <p:childTnLst>
+                                    <p:set>
+                                      <p:cBhvr>
+                                        <p:cTn id="12" dur="1" fill="hold">
+                                          <p:stCondLst>
+                                            <p:cond delay="0"/>
+                                          </p:stCondLst>
+                                        </p:cTn>
+                                        <p:tgtEl>
+                                          <p:spTgt spid="6"/>
+                                        </p:tgtEl>
+                                        <p:attrNameLst>
+                                          <p:attrName>style.visibility</p:attrName>
+                                        </p:attrNameLst>
+                                      </p:cBhvr>
+                                      <p:to>
+                                        <p:strVal val="visible"/>
+                                      </p:to>
+                                    </p:set>
+                                    <p:anim calcmode="lin" valueType="num">
+                                      <p:cBhvr>
+                                        <p:cTn id="13" dur="1000" fill="hold"/>
+                                        <p:tgtEl>
+                                          <p:spTgt spid="6"/>
+                                        </p:tgtEl>
+                                        <p:attrNameLst>
+                                          <p:attrName>ppt_w</p:attrName>
+                                        </p:attrNameLst>
+                                      </p:cBhvr>
+                                      <p:tavLst>
+                                        <p:tav tm="0">
+                                          <p:val>
+                                            <p:fltVal val="0"/>
+                                          </p:val>
+                                        </p:tav>
+                                        <p:tav tm="100000">
+                                          <p:val>
+                                            <p:strVal val="#ppt_w"/>
+                                          </p:val>
+                                        </p:tav>
+                                      </p:tavLst>
+                                    </p:anim>
+                                    <p:anim calcmode="lin" valueType="num">
+                                      <p:cBhvr>
+                                        <p:cTn id="14" dur="1000" fill="hold"/>
+                                        <p:tgtEl>
+                                          <p:spTgt spid="6"/>
+                                        </p:tgtEl>
+                                        <p:attrNameLst>
+                                          <p:attrName>ppt_h</p:attrName>
+                                        </p:attrNameLst>
+                                      </p:cBhvr>
+                                      <p:tavLst>
+                                        <p:tav tm="0">
+                                          <p:val>
+                                            <p:fltVal val="0"/>
+                                          </p:val>
+                                        </p:tav>
+                                        <p:tav tm="100000">
+                                          <p:val>
+                                            <p:strVal val="#ppt_h"/>
+                                          </p:val>
+                                        </p:tav>
+                                      </p:tavLst>
+                                    </p:anim>
+                                    <p:anim calcmode="lin" valueType="num">
+                                      <p:cBhvr>
+                                        <p:cTn id="15" dur="1000" fill="hold"/>
+                                        <p:tgtEl>
+                                          <p:spTgt spid="6"/>
+                                        </p:tgtEl>
+                                        <p:attrNameLst>
+                                          <p:attrName>style.rotation</p:attrName>
+                                        </p:attrNameLst>
+                                      </p:cBhvr>
+                                      <p:tavLst>
+                                        <p:tav tm="0">
+                                          <p:val>
+                                            <p:fltVal val="90"/>
+                                          </p:val>
+                                        </p:tav>
+                                        <p:tav tm="100000">
+                                          <p:val>
+                                            <p:fltVal val="0"/>
+                                          </p:val>
+                                        </p:tav>
+                                      </p:tavLst>
+                                    </p:anim>
+                                    <p:animEffect transition="in" filter="fade">
+                                      <p:cBhvr>
+                                        <p:cTn id="16" dur="1000"/>
+                                        <p:tgtEl>
+                                          <p:spTgt spid="6"/>
+                                        </p:tgtEl>
+                                      </p:cBhvr>
+                                    </p:animEffect>
+                                  </p:childTnLst>
+                                </p:cTn>
+                              </p:par>
+                            </p:childTnLst>
+                          </p:cTn>
+                        </p:par>
+                      </p:childTnLst>
+                    </p:cTn>
+                  </p:par>
+                </p:childTnLst>
+              </p:cTn>
+              <p:prevCondLst>
+                <p:cond evt="onPrev" delay="0">
+                  <p:tgtEl>
+                    <p:sldTgt/>
+                  </p:tgtEl>
+                </p:cond>
+              </p:prevCondLst>
+              <p:nextCondLst>
+                <p:cond evt="onNext" delay="0">
+                  <p:tgtEl>
+                    <p:sldTgt/>
+                  </p:tgtEl>
+                </p:cond>
+              </p:nextCondLst>
+            </p:seq>
+          </p:childTnLst>
+        </p:cTn>
+      </p:par>
+    </p:tnLst>
+    <p:bldLst>
+      <p:bldP spid="5" grpId="0"/>
+      <p:bldP spid="6" grpId="0"/>
+    </p:bldLst>
+  </p:timing>
+</p:sld>
+</file>
+
+<file path=ppt/slides/slide12.xml><?xml version="1.0" encoding="utf-8"?>
+<p:sld xmlns:a="http://schemas.openxmlformats.org/drawingml/2006/main" xmlns:r="http://schemas.openxmlformats.org/officeDocument/2006/relationships" xmlns:p="http://schemas.openxmlformats.org/presentationml/2006/main">
+  <p:cSld>
+    <p:spTree>
+      <p:nvGrpSpPr>
+        <p:cNvPr id="1" name=""/>
+        <p:cNvGrpSpPr/>
+        <p:nvPr/>
+      </p:nvGrpSpPr>
+      <p:grpSpPr>
+        <a:xfrm>
+          <a:off x="0" y="0"/>
+          <a:ext cx="0" cy="0"/>
+          <a:chOff x="0" y="0"/>
+          <a:chExt cx="0" cy="0"/>
+        </a:xfrm>
+      </p:grpSpPr>
+      <p:sp>
+        <p:nvSpPr>
+          <p:cNvPr id="5" name="TextBox 5"/>
+          <p:cNvSpPr txBox="1"/>
+          <p:nvPr/>
+        </p:nvSpPr>
+        <p:spPr>
+          <a:xfrm>
+            <a:off x="690165" y="690933"/>
+            <a:ext cx="10522331" cy="646459"/>
+          </a:xfrm>
+          <a:prstGeom prst="rect">
+            <a:avLst/>
+          </a:prstGeom>
+        </p:spPr>
+        <p:txBody>
+          <a:bodyPr wrap="square" lIns="0" tIns="0" rIns="0" bIns="0" rtlCol="0" anchor="t">
+            <a:spAutoFit/>
+          </a:bodyPr>
+          <a:lstStyle/>
+          <a:p>
+            <a:pPr algn="ctr">
+              <a:lnSpc>
+                <a:spcPts val="4854"/>
+              </a:lnSpc>
+            </a:pPr>
+            <a:r>
+              <a:rPr lang="ru-RU" sz="6000" dirty="0">
+                <a:latin typeface="Arial" panose="020B0604020202020204" pitchFamily="34" charset="0"/>
+                <a:cs typeface="Arial" panose="020B0604020202020204" pitchFamily="34" charset="0"/>
+              </a:rPr>
+              <a:t>Вывод товаров</a:t>
+            </a:r>
+          </a:p>
+        </p:txBody>
+      </p:sp>
+      <p:pic>
+        <p:nvPicPr>
+          <p:cNvPr id="4" name="Рисунок 3">
+            <a:extLst>
+              <a:ext uri="{FF2B5EF4-FFF2-40B4-BE49-F238E27FC236}">
+                <a16:creationId xmlns:a16="http://schemas.microsoft.com/office/drawing/2014/main" id="{F0EBD41B-ED92-C433-200B-932B9B695840}"/>
+              </a:ext>
+            </a:extLst>
+          </p:cNvPr>
+          <p:cNvPicPr>
+            <a:picLocks noChangeAspect="1"/>
+          </p:cNvPicPr>
+          <p:nvPr/>
+        </p:nvPicPr>
+        <p:blipFill>
+          <a:blip r:embed="rId2"/>
+          <a:stretch>
+            <a:fillRect/>
+          </a:stretch>
+        </p:blipFill>
+        <p:spPr>
+          <a:xfrm>
+            <a:off x="1503286" y="1337392"/>
+            <a:ext cx="8743950" cy="4943475"/>
+          </a:xfrm>
+          <a:prstGeom prst="rect">
+            <a:avLst/>
+          </a:prstGeom>
+        </p:spPr>
+      </p:pic>
+    </p:spTree>
+    <p:extLst>
+      <p:ext uri="{BB962C8B-B14F-4D97-AF65-F5344CB8AC3E}">
+        <p14:creationId xmlns:p14="http://schemas.microsoft.com/office/powerpoint/2010/main" val="3994975751"/>
+      </p:ext>
+    </p:extLst>
+  </p:cSld>
+  <p:clrMapOvr>
+    <a:masterClrMapping/>
+  </p:clrMapOvr>
+  <mc:AlternateContent xmlns:mc="http://schemas.openxmlformats.org/markup-compatibility/2006">
+    <mc:Choice xmlns:p14="http://schemas.microsoft.com/office/powerpoint/2010/main" Requires="p14">
+      <p:transition spd="slow" p14:dur="1250">
+        <p14:switch dir="r"/>
+      </p:transition>
+    </mc:Choice>
+    <mc:Fallback>
+      <p:transition spd="slow">
+        <p:fade/>
+      </p:transition>
+    </mc:Fallback>
+  </mc:AlternateContent>
+  <p:timing>
+    <p:tnLst>
+      <p:par>
+        <p:cTn id="1" dur="indefinite" restart="never" nodeType="tmRoot">
+          <p:childTnLst>
+            <p:seq concurrent="1" nextAc="seek">
+              <p:cTn id="2" dur="indefinite" nodeType="mainSeq">
+                <p:childTnLst>
+                  <p:par>
+                    <p:cTn id="3" fill="hold">
+                      <p:stCondLst>
+                        <p:cond delay="indefinite"/>
+                        <p:cond evt="onBegin" delay="0">
+                          <p:tn val="2"/>
+                        </p:cond>
+                      </p:stCondLst>
+                      <p:childTnLst>
+                        <p:par>
+                          <p:cTn id="4" fill="hold">
+                            <p:stCondLst>
+                              <p:cond delay="0"/>
+                            </p:stCondLst>
+                            <p:childTnLst>
+                              <p:par>
+                                <p:cTn id="5" presetID="31" presetClass="entr" presetSubtype="0" fill="hold" grpId="0" nodeType="withEffect">
+                                  <p:stCondLst>
+                                    <p:cond delay="0"/>
+                                  </p:stCondLst>
+                                  <p:childTnLst>
+                                    <p:set>
+                                      <p:cBhvr>
+                                        <p:cTn id="6" dur="1" fill="hold">
+                                          <p:stCondLst>
+                                            <p:cond delay="0"/>
+                                          </p:stCondLst>
+                                        </p:cTn>
+                                        <p:tgtEl>
+                                          <p:spTgt spid="5"/>
+                                        </p:tgtEl>
+                                        <p:attrNameLst>
+                                          <p:attrName>style.visibility</p:attrName>
+                                        </p:attrNameLst>
+                                      </p:cBhvr>
+                                      <p:to>
+                                        <p:strVal val="visible"/>
+                                      </p:to>
+                                    </p:set>
+                                    <p:anim calcmode="lin" valueType="num">
+                                      <p:cBhvr>
+                                        <p:cTn id="7" dur="1000" fill="hold"/>
+                                        <p:tgtEl>
+                                          <p:spTgt spid="5"/>
+                                        </p:tgtEl>
+                                        <p:attrNameLst>
+                                          <p:attrName>ppt_w</p:attrName>
+                                        </p:attrNameLst>
+                                      </p:cBhvr>
+                                      <p:tavLst>
+                                        <p:tav tm="0">
+                                          <p:val>
+                                            <p:fltVal val="0"/>
+                                          </p:val>
+                                        </p:tav>
+                                        <p:tav tm="100000">
+                                          <p:val>
+                                            <p:strVal val="#ppt_w"/>
+                                          </p:val>
+                                        </p:tav>
+                                      </p:tavLst>
+                                    </p:anim>
+                                    <p:anim calcmode="lin" valueType="num">
+                                      <p:cBhvr>
+                                        <p:cTn id="8" dur="1000" fill="hold"/>
+                                        <p:tgtEl>
+                                          <p:spTgt spid="5"/>
+                                        </p:tgtEl>
+                                        <p:attrNameLst>
+                                          <p:attrName>ppt_h</p:attrName>
+                                        </p:attrNameLst>
+                                      </p:cBhvr>
+                                      <p:tavLst>
+                                        <p:tav tm="0">
+                                          <p:val>
+                                            <p:fltVal val="0"/>
+                                          </p:val>
+                                        </p:tav>
+                                        <p:tav tm="100000">
+                                          <p:val>
+                                            <p:strVal val="#ppt_h"/>
+                                          </p:val>
+                                        </p:tav>
+                                      </p:tavLst>
+                                    </p:anim>
+                                    <p:anim calcmode="lin" valueType="num">
+                                      <p:cBhvr>
+                                        <p:cTn id="9" dur="1000" fill="hold"/>
+                                        <p:tgtEl>
+                                          <p:spTgt spid="5"/>
+                                        </p:tgtEl>
+                                        <p:attrNameLst>
+                                          <p:attrName>style.rotation</p:attrName>
+                                        </p:attrNameLst>
+                                      </p:cBhvr>
+                                      <p:tavLst>
+                                        <p:tav tm="0">
+                                          <p:val>
+                                            <p:fltVal val="90"/>
+                                          </p:val>
+                                        </p:tav>
+                                        <p:tav tm="100000">
+                                          <p:val>
+                                            <p:fltVal val="0"/>
+                                          </p:val>
+                                        </p:tav>
+                                      </p:tavLst>
+                                    </p:anim>
+                                    <p:animEffect transition="in" filter="fade">
+                                      <p:cBhvr>
+                                        <p:cTn id="10" dur="1000"/>
+                                        <p:tgtEl>
+                                          <p:spTgt spid="5"/>
+                                        </p:tgtEl>
+                                      </p:cBhvr>
+                                    </p:animEffect>
+                                  </p:childTnLst>
+                                </p:cTn>
+                              </p:par>
+                            </p:childTnLst>
+                          </p:cTn>
+                        </p:par>
+                      </p:childTnLst>
+                    </p:cTn>
+                  </p:par>
+                </p:childTnLst>
+              </p:cTn>
+              <p:prevCondLst>
+                <p:cond evt="onPrev" delay="0">
+                  <p:tgtEl>
+                    <p:sldTgt/>
+                  </p:tgtEl>
+                </p:cond>
+              </p:prevCondLst>
+              <p:nextCondLst>
+                <p:cond evt="onNext" delay="0">
+                  <p:tgtEl>
+                    <p:sldTgt/>
+                  </p:tgtEl>
+                </p:cond>
+              </p:nextCondLst>
+            </p:seq>
+          </p:childTnLst>
+        </p:cTn>
+      </p:par>
+    </p:tnLst>
+    <p:bldLst>
+      <p:bldP spid="5" grpId="0"/>
+    </p:bldLst>
+  </p:timing>
+</p:sld>
+</file>
+
+<file path=ppt/slides/slide13.xml><?xml version="1.0" encoding="utf-8"?>
+<p:sld xmlns:a="http://schemas.openxmlformats.org/drawingml/2006/main" xmlns:r="http://schemas.openxmlformats.org/officeDocument/2006/relationships" xmlns:p="http://schemas.openxmlformats.org/presentationml/2006/main">
+  <p:cSld>
+    <p:spTree>
+      <p:nvGrpSpPr>
+        <p:cNvPr id="1" name=""/>
+        <p:cNvGrpSpPr/>
+        <p:nvPr/>
+      </p:nvGrpSpPr>
+      <p:grpSpPr>
+        <a:xfrm>
+          <a:off x="0" y="0"/>
+          <a:ext cx="0" cy="0"/>
+          <a:chOff x="0" y="0"/>
+          <a:chExt cx="0" cy="0"/>
+        </a:xfrm>
+      </p:grpSpPr>
+      <p:sp>
+        <p:nvSpPr>
+          <p:cNvPr id="5" name="TextBox 5"/>
+          <p:cNvSpPr txBox="1"/>
+          <p:nvPr/>
+        </p:nvSpPr>
+        <p:spPr>
+          <a:xfrm>
+            <a:off x="690165" y="690933"/>
+            <a:ext cx="10522331" cy="646459"/>
+          </a:xfrm>
+          <a:prstGeom prst="rect">
+            <a:avLst/>
+          </a:prstGeom>
+        </p:spPr>
+        <p:txBody>
+          <a:bodyPr wrap="square" lIns="0" tIns="0" rIns="0" bIns="0" rtlCol="0" anchor="t">
+            <a:spAutoFit/>
+          </a:bodyPr>
+          <a:lstStyle/>
+          <a:p>
+            <a:pPr algn="ctr">
+              <a:lnSpc>
+                <a:spcPts val="4854"/>
+              </a:lnSpc>
+            </a:pPr>
+            <a:r>
+              <a:rPr lang="ru-RU" sz="6000" dirty="0">
+                <a:latin typeface="Arial" panose="020B0604020202020204" pitchFamily="34" charset="0"/>
+                <a:cs typeface="Arial" panose="020B0604020202020204" pitchFamily="34" charset="0"/>
+              </a:rPr>
+              <a:t>Вывод товаров</a:t>
+            </a:r>
+          </a:p>
+        </p:txBody>
+      </p:sp>
+      <p:pic>
+        <p:nvPicPr>
+          <p:cNvPr id="7" name="Рисунок 6">
+            <a:extLst>
+              <a:ext uri="{FF2B5EF4-FFF2-40B4-BE49-F238E27FC236}">
+                <a16:creationId xmlns:a16="http://schemas.microsoft.com/office/drawing/2014/main" id="{24C44993-3E74-8D33-E0D1-C455EA67C208}"/>
+              </a:ext>
+            </a:extLst>
+          </p:cNvPr>
+          <p:cNvPicPr>
+            <a:picLocks noChangeAspect="1"/>
+          </p:cNvPicPr>
+          <p:nvPr/>
+        </p:nvPicPr>
+        <p:blipFill>
+          <a:blip r:embed="rId2"/>
+          <a:stretch>
+            <a:fillRect/>
+          </a:stretch>
+        </p:blipFill>
+        <p:spPr>
+          <a:xfrm>
+            <a:off x="1145405" y="1885533"/>
+            <a:ext cx="4610100" cy="3228975"/>
+          </a:xfrm>
+          <a:prstGeom prst="rect">
+            <a:avLst/>
+          </a:prstGeom>
+        </p:spPr>
+      </p:pic>
+      <p:pic>
+        <p:nvPicPr>
+          <p:cNvPr id="9" name="Рисунок 8">
+            <a:extLst>
+              <a:ext uri="{FF2B5EF4-FFF2-40B4-BE49-F238E27FC236}">
+                <a16:creationId xmlns:a16="http://schemas.microsoft.com/office/drawing/2014/main" id="{75F50EDD-9731-D95A-0092-CA4FEF186252}"/>
+              </a:ext>
+            </a:extLst>
+          </p:cNvPr>
+          <p:cNvPicPr>
+            <a:picLocks noChangeAspect="1"/>
+          </p:cNvPicPr>
+          <p:nvPr/>
+        </p:nvPicPr>
+        <p:blipFill>
+          <a:blip r:embed="rId3"/>
+          <a:stretch>
+            <a:fillRect/>
+          </a:stretch>
+        </p:blipFill>
+        <p:spPr>
+          <a:xfrm>
+            <a:off x="5951330" y="2088333"/>
+            <a:ext cx="5191125" cy="2486025"/>
+          </a:xfrm>
+          <a:prstGeom prst="rect">
+            <a:avLst/>
+          </a:prstGeom>
+        </p:spPr>
+      </p:pic>
+    </p:spTree>
+    <p:extLst>
+      <p:ext uri="{BB962C8B-B14F-4D97-AF65-F5344CB8AC3E}">
+        <p14:creationId xmlns:p14="http://schemas.microsoft.com/office/powerpoint/2010/main" val="2101536918"/>
+      </p:ext>
+    </p:extLst>
+  </p:cSld>
+  <p:clrMapOvr>
+    <a:masterClrMapping/>
+  </p:clrMapOvr>
+  <mc:AlternateContent xmlns:mc="http://schemas.openxmlformats.org/markup-compatibility/2006">
+    <mc:Choice xmlns:p14="http://schemas.microsoft.com/office/powerpoint/2010/main" Requires="p14">
+      <p:transition spd="slow" p14:dur="1250">
+        <p14:switch dir="r"/>
+      </p:transition>
+    </mc:Choice>
+    <mc:Fallback>
+      <p:transition spd="slow">
+        <p:fade/>
+      </p:transition>
+    </mc:Fallback>
+  </mc:AlternateContent>
+  <p:timing>
+    <p:tnLst>
+      <p:par>
+        <p:cTn id="1" dur="indefinite" restart="never" nodeType="tmRoot">
+          <p:childTnLst>
+            <p:seq concurrent="1" nextAc="seek">
+              <p:cTn id="2" dur="indefinite" nodeType="mainSeq">
+                <p:childTnLst>
+                  <p:par>
+                    <p:cTn id="3" fill="hold">
+                      <p:stCondLst>
+                        <p:cond delay="indefinite"/>
+                        <p:cond evt="onBegin" delay="0">
+                          <p:tn val="2"/>
+                        </p:cond>
+                      </p:stCondLst>
+                      <p:childTnLst>
+                        <p:par>
+                          <p:cTn id="4" fill="hold">
+                            <p:stCondLst>
+                              <p:cond delay="0"/>
+                            </p:stCondLst>
+                            <p:childTnLst>
+                              <p:par>
+                                <p:cTn id="5" presetID="31" presetClass="entr" presetSubtype="0" fill="hold" grpId="0" nodeType="withEffect">
+                                  <p:stCondLst>
+                                    <p:cond delay="0"/>
+                                  </p:stCondLst>
+                                  <p:childTnLst>
+                                    <p:set>
+                                      <p:cBhvr>
+                                        <p:cTn id="6" dur="1" fill="hold">
+                                          <p:stCondLst>
+                                            <p:cond delay="0"/>
+                                          </p:stCondLst>
+                                        </p:cTn>
+                                        <p:tgtEl>
+                                          <p:spTgt spid="5"/>
+                                        </p:tgtEl>
+                                        <p:attrNameLst>
+                                          <p:attrName>style.visibility</p:attrName>
+                                        </p:attrNameLst>
+                                      </p:cBhvr>
+                                      <p:to>
+                                        <p:strVal val="visible"/>
+                                      </p:to>
+                                    </p:set>
+                                    <p:anim calcmode="lin" valueType="num">
+                                      <p:cBhvr>
+                                        <p:cTn id="7" dur="1000" fill="hold"/>
+                                        <p:tgtEl>
+                                          <p:spTgt spid="5"/>
+                                        </p:tgtEl>
+                                        <p:attrNameLst>
+                                          <p:attrName>ppt_w</p:attrName>
+                                        </p:attrNameLst>
+                                      </p:cBhvr>
+                                      <p:tavLst>
+                                        <p:tav tm="0">
+                                          <p:val>
+                                            <p:fltVal val="0"/>
+                                          </p:val>
+                                        </p:tav>
+                                        <p:tav tm="100000">
+                                          <p:val>
+                                            <p:strVal val="#ppt_w"/>
+                                          </p:val>
+                                        </p:tav>
+                                      </p:tavLst>
+                                    </p:anim>
+                                    <p:anim calcmode="lin" valueType="num">
+                                      <p:cBhvr>
+                                        <p:cTn id="8" dur="1000" fill="hold"/>
+                                        <p:tgtEl>
+                                          <p:spTgt spid="5"/>
+                                        </p:tgtEl>
+                                        <p:attrNameLst>
+                                          <p:attrName>ppt_h</p:attrName>
+                                        </p:attrNameLst>
+                                      </p:cBhvr>
+                                      <p:tavLst>
+                                        <p:tav tm="0">
+                                          <p:val>
+                                            <p:fltVal val="0"/>
+                                          </p:val>
+                                        </p:tav>
+                                        <p:tav tm="100000">
+                                          <p:val>
+                                            <p:strVal val="#ppt_h"/>
+                                          </p:val>
+                                        </p:tav>
+                                      </p:tavLst>
+                                    </p:anim>
+                                    <p:anim calcmode="lin" valueType="num">
+                                      <p:cBhvr>
+                                        <p:cTn id="9" dur="1000" fill="hold"/>
+                                        <p:tgtEl>
+                                          <p:spTgt spid="5"/>
+                                        </p:tgtEl>
+                                        <p:attrNameLst>
+                                          <p:attrName>style.rotation</p:attrName>
+                                        </p:attrNameLst>
+                                      </p:cBhvr>
+                                      <p:tavLst>
+                                        <p:tav tm="0">
+                                          <p:val>
+                                            <p:fltVal val="90"/>
+                                          </p:val>
+                                        </p:tav>
+                                        <p:tav tm="100000">
+                                          <p:val>
+                                            <p:fltVal val="0"/>
+                                          </p:val>
+                                        </p:tav>
+                                      </p:tavLst>
+                                    </p:anim>
+                                    <p:animEffect transition="in" filter="fade">
+                                      <p:cBhvr>
+                                        <p:cTn id="10" dur="1000"/>
+                                        <p:tgtEl>
+                                          <p:spTgt spid="5"/>
+                                        </p:tgtEl>
+                                      </p:cBhvr>
+                                    </p:animEffect>
+                                  </p:childTnLst>
+                                </p:cTn>
+                              </p:par>
+                            </p:childTnLst>
+                          </p:cTn>
+                        </p:par>
+                      </p:childTnLst>
+                    </p:cTn>
+                  </p:par>
+                </p:childTnLst>
+              </p:cTn>
+              <p:prevCondLst>
+                <p:cond evt="onPrev" delay="0">
+                  <p:tgtEl>
+                    <p:sldTgt/>
+                  </p:tgtEl>
+                </p:cond>
+              </p:prevCondLst>
+              <p:nextCondLst>
+                <p:cond evt="onNext" delay="0">
+                  <p:tgtEl>
+                    <p:sldTgt/>
+                  </p:tgtEl>
+                </p:cond>
+              </p:nextCondLst>
+            </p:seq>
+          </p:childTnLst>
+        </p:cTn>
+      </p:par>
+    </p:tnLst>
+    <p:bldLst>
+      <p:bldP spid="5" grpId="0"/>
+    </p:bldLst>
+  </p:timing>
+</p:sld>
+</file>
+
+<file path=ppt/slides/slide14.xml><?xml version="1.0" encoding="utf-8"?>
+<p:sld xmlns:a="http://schemas.openxmlformats.org/drawingml/2006/main" xmlns:r="http://schemas.openxmlformats.org/officeDocument/2006/relationships" xmlns:p="http://schemas.openxmlformats.org/presentationml/2006/main">
+  <p:cSld>
+    <p:spTree>
+      <p:nvGrpSpPr>
+        <p:cNvPr id="1" name=""/>
+        <p:cNvGrpSpPr/>
+        <p:nvPr/>
+      </p:nvGrpSpPr>
+      <p:grpSpPr>
+        <a:xfrm>
+          <a:off x="0" y="0"/>
+          <a:ext cx="0" cy="0"/>
+          <a:chOff x="0" y="0"/>
+          <a:chExt cx="0" cy="0"/>
+        </a:xfrm>
+      </p:grpSpPr>
+      <p:sp>
+        <p:nvSpPr>
+          <p:cNvPr id="5" name="TextBox 5"/>
+          <p:cNvSpPr txBox="1"/>
+          <p:nvPr/>
+        </p:nvSpPr>
+        <p:spPr>
+          <a:xfrm>
+            <a:off x="690165" y="690933"/>
+            <a:ext cx="4954855" cy="2531590"/>
+          </a:xfrm>
+          <a:prstGeom prst="rect">
+            <a:avLst/>
+          </a:prstGeom>
+        </p:spPr>
+        <p:txBody>
+          <a:bodyPr wrap="square" lIns="0" tIns="0" rIns="0" bIns="0" rtlCol="0" anchor="t">
+            <a:spAutoFit/>
+          </a:bodyPr>
+          <a:lstStyle/>
+          <a:p>
+            <a:pPr algn="ctr">
+              <a:lnSpc>
+                <a:spcPts val="4854"/>
+              </a:lnSpc>
+            </a:pPr>
+            <a:r>
+              <a:rPr lang="ru-RU" sz="6000" dirty="0">
+                <a:latin typeface="Arial" panose="020B0604020202020204" pitchFamily="34" charset="0"/>
+                <a:cs typeface="Arial" panose="020B0604020202020204" pitchFamily="34" charset="0"/>
+              </a:rPr>
+              <a:t>Просмотр, изменение, удаление товаров</a:t>
+            </a:r>
+          </a:p>
+        </p:txBody>
+      </p:sp>
+      <p:pic>
+        <p:nvPicPr>
+          <p:cNvPr id="3" name="Рисунок 2">
+            <a:extLst>
+              <a:ext uri="{FF2B5EF4-FFF2-40B4-BE49-F238E27FC236}">
+                <a16:creationId xmlns:a16="http://schemas.microsoft.com/office/drawing/2014/main" id="{22B573E9-5B2A-211D-015F-31AF14164DDA}"/>
+              </a:ext>
+            </a:extLst>
+          </p:cNvPr>
+          <p:cNvPicPr>
+            <a:picLocks noChangeAspect="1"/>
+          </p:cNvPicPr>
+          <p:nvPr/>
+        </p:nvPicPr>
+        <p:blipFill>
+          <a:blip r:embed="rId2"/>
+          <a:stretch>
+            <a:fillRect/>
+          </a:stretch>
+        </p:blipFill>
+        <p:spPr>
+          <a:xfrm>
+            <a:off x="615520" y="3429000"/>
+            <a:ext cx="5105400" cy="2324100"/>
+          </a:xfrm>
+          <a:prstGeom prst="rect">
+            <a:avLst/>
+          </a:prstGeom>
+        </p:spPr>
+      </p:pic>
+      <p:pic>
+        <p:nvPicPr>
+          <p:cNvPr id="6" name="Рисунок 5">
+            <a:extLst>
+              <a:ext uri="{FF2B5EF4-FFF2-40B4-BE49-F238E27FC236}">
+                <a16:creationId xmlns:a16="http://schemas.microsoft.com/office/drawing/2014/main" id="{A1FA1552-2C83-94CA-C62B-FD159207F79D}"/>
+              </a:ext>
+            </a:extLst>
+          </p:cNvPr>
+          <p:cNvPicPr>
+            <a:picLocks noChangeAspect="1"/>
+          </p:cNvPicPr>
+          <p:nvPr/>
+        </p:nvPicPr>
+        <p:blipFill>
+          <a:blip r:embed="rId3"/>
+          <a:stretch>
+            <a:fillRect/>
+          </a:stretch>
+        </p:blipFill>
+        <p:spPr>
+          <a:xfrm>
+            <a:off x="5951330" y="409575"/>
+            <a:ext cx="6267450" cy="6038850"/>
+          </a:xfrm>
+          <a:prstGeom prst="rect">
+            <a:avLst/>
+          </a:prstGeom>
+        </p:spPr>
+      </p:pic>
+    </p:spTree>
+    <p:extLst>
+      <p:ext uri="{BB962C8B-B14F-4D97-AF65-F5344CB8AC3E}">
+        <p14:creationId xmlns:p14="http://schemas.microsoft.com/office/powerpoint/2010/main" val="2618435464"/>
+      </p:ext>
+    </p:extLst>
+  </p:cSld>
+  <p:clrMapOvr>
+    <a:masterClrMapping/>
+  </p:clrMapOvr>
+  <mc:AlternateContent xmlns:mc="http://schemas.openxmlformats.org/markup-compatibility/2006">
+    <mc:Choice xmlns:p14="http://schemas.microsoft.com/office/powerpoint/2010/main" Requires="p14">
+      <p:transition spd="slow" p14:dur="1250">
+        <p14:switch dir="r"/>
+      </p:transition>
+    </mc:Choice>
+    <mc:Fallback>
+      <p:transition spd="slow">
+        <p:fade/>
+      </p:transition>
+    </mc:Fallback>
+  </mc:AlternateContent>
+  <p:timing>
+    <p:tnLst>
+      <p:par>
+        <p:cTn id="1" dur="indefinite" restart="never" nodeType="tmRoot">
+          <p:childTnLst>
+            <p:seq concurrent="1" nextAc="seek">
+              <p:cTn id="2" dur="indefinite" nodeType="mainSeq">
+                <p:childTnLst>
+                  <p:par>
+                    <p:cTn id="3" fill="hold">
+                      <p:stCondLst>
+                        <p:cond delay="indefinite"/>
+                        <p:cond evt="onBegin" delay="0">
+                          <p:tn val="2"/>
+                        </p:cond>
+                      </p:stCondLst>
+                      <p:childTnLst>
+                        <p:par>
+                          <p:cTn id="4" fill="hold">
+                            <p:stCondLst>
+                              <p:cond delay="0"/>
+                            </p:stCondLst>
+                            <p:childTnLst>
+                              <p:par>
+                                <p:cTn id="5" presetID="31" presetClass="entr" presetSubtype="0" fill="hold" grpId="0" nodeType="withEffect">
+                                  <p:stCondLst>
+                                    <p:cond delay="0"/>
+                                  </p:stCondLst>
+                                  <p:childTnLst>
+                                    <p:set>
+                                      <p:cBhvr>
+                                        <p:cTn id="6" dur="1" fill="hold">
+                                          <p:stCondLst>
+                                            <p:cond delay="0"/>
+                                          </p:stCondLst>
+                                        </p:cTn>
+                                        <p:tgtEl>
+                                          <p:spTgt spid="5"/>
+                                        </p:tgtEl>
+                                        <p:attrNameLst>
+                                          <p:attrName>style.visibility</p:attrName>
+                                        </p:attrNameLst>
+                                      </p:cBhvr>
+                                      <p:to>
+                                        <p:strVal val="visible"/>
+                                      </p:to>
+                                    </p:set>
+                                    <p:anim calcmode="lin" valueType="num">
+                                      <p:cBhvr>
+                                        <p:cTn id="7" dur="1000" fill="hold"/>
+                                        <p:tgtEl>
+                                          <p:spTgt spid="5"/>
+                                        </p:tgtEl>
+                                        <p:attrNameLst>
+                                          <p:attrName>ppt_w</p:attrName>
+                                        </p:attrNameLst>
+                                      </p:cBhvr>
+                                      <p:tavLst>
+                                        <p:tav tm="0">
+                                          <p:val>
+                                            <p:fltVal val="0"/>
+                                          </p:val>
+                                        </p:tav>
+                                        <p:tav tm="100000">
+                                          <p:val>
+                                            <p:strVal val="#ppt_w"/>
+                                          </p:val>
+                                        </p:tav>
+                                      </p:tavLst>
+                                    </p:anim>
+                                    <p:anim calcmode="lin" valueType="num">
+                                      <p:cBhvr>
+                                        <p:cTn id="8" dur="1000" fill="hold"/>
+                                        <p:tgtEl>
+                                          <p:spTgt spid="5"/>
+                                        </p:tgtEl>
+                                        <p:attrNameLst>
+                                          <p:attrName>ppt_h</p:attrName>
+                                        </p:attrNameLst>
+                                      </p:cBhvr>
+                                      <p:tavLst>
+                                        <p:tav tm="0">
+                                          <p:val>
+                                            <p:fltVal val="0"/>
+                                          </p:val>
+                                        </p:tav>
+                                        <p:tav tm="100000">
+                                          <p:val>
+                                            <p:strVal val="#ppt_h"/>
+                                          </p:val>
+                                        </p:tav>
+                                      </p:tavLst>
+                                    </p:anim>
+                                    <p:anim calcmode="lin" valueType="num">
+                                      <p:cBhvr>
+                                        <p:cTn id="9" dur="1000" fill="hold"/>
+                                        <p:tgtEl>
+                                          <p:spTgt spid="5"/>
+                                        </p:tgtEl>
+                                        <p:attrNameLst>
+                                          <p:attrName>style.rotation</p:attrName>
+                                        </p:attrNameLst>
+                                      </p:cBhvr>
+                                      <p:tavLst>
+                                        <p:tav tm="0">
+                                          <p:val>
+                                            <p:fltVal val="90"/>
+                                          </p:val>
+                                        </p:tav>
+                                        <p:tav tm="100000">
+                                          <p:val>
+                                            <p:fltVal val="0"/>
+                                          </p:val>
+                                        </p:tav>
+                                      </p:tavLst>
+                                    </p:anim>
+                                    <p:animEffect transition="in" filter="fade">
+                                      <p:cBhvr>
+                                        <p:cTn id="10" dur="1000"/>
+                                        <p:tgtEl>
+                                          <p:spTgt spid="5"/>
+                                        </p:tgtEl>
+                                      </p:cBhvr>
+                                    </p:animEffect>
+                                  </p:childTnLst>
+                                </p:cTn>
+                              </p:par>
+                            </p:childTnLst>
+                          </p:cTn>
+                        </p:par>
+                      </p:childTnLst>
+                    </p:cTn>
+                  </p:par>
+                </p:childTnLst>
+              </p:cTn>
+              <p:prevCondLst>
+                <p:cond evt="onPrev" delay="0">
+                  <p:tgtEl>
+                    <p:sldTgt/>
+                  </p:tgtEl>
+                </p:cond>
+              </p:prevCondLst>
+              <p:nextCondLst>
+                <p:cond evt="onNext" delay="0">
+                  <p:tgtEl>
+                    <p:sldTgt/>
+                  </p:tgtEl>
+                </p:cond>
+              </p:nextCondLst>
+            </p:seq>
+          </p:childTnLst>
+        </p:cTn>
+      </p:par>
+    </p:tnLst>
+    <p:bldLst>
+      <p:bldP spid="5" grpId="0"/>
+    </p:bldLst>
+  </p:timing>
+</p:sld>
+</file>
+
+<file path=ppt/slides/slide15.xml><?xml version="1.0" encoding="utf-8"?>
+<p:sld xmlns:a="http://schemas.openxmlformats.org/drawingml/2006/main" xmlns:r="http://schemas.openxmlformats.org/officeDocument/2006/relationships" xmlns:p="http://schemas.openxmlformats.org/presentationml/2006/main">
+  <p:cSld>
+    <p:spTree>
+      <p:nvGrpSpPr>
+        <p:cNvPr id="1" name=""/>
+        <p:cNvGrpSpPr/>
+        <p:nvPr/>
+      </p:nvGrpSpPr>
+      <p:grpSpPr>
+        <a:xfrm>
+          <a:off x="0" y="0"/>
+          <a:ext cx="0" cy="0"/>
+          <a:chOff x="0" y="0"/>
+          <a:chExt cx="0" cy="0"/>
+        </a:xfrm>
+      </p:grpSpPr>
+      <p:sp>
+        <p:nvSpPr>
+          <p:cNvPr id="5" name="TextBox 5"/>
+          <p:cNvSpPr txBox="1"/>
+          <p:nvPr/>
+        </p:nvSpPr>
+        <p:spPr>
+          <a:xfrm>
+            <a:off x="850559" y="998843"/>
+            <a:ext cx="3965511" cy="1274836"/>
+          </a:xfrm>
+          <a:prstGeom prst="rect">
+            <a:avLst/>
+          </a:prstGeom>
+        </p:spPr>
+        <p:txBody>
+          <a:bodyPr wrap="square" lIns="0" tIns="0" rIns="0" bIns="0" rtlCol="0" anchor="t">
+            <a:spAutoFit/>
+          </a:bodyPr>
+          <a:lstStyle/>
+          <a:p>
+            <a:pPr algn="ctr">
+              <a:lnSpc>
+                <a:spcPts val="4854"/>
+              </a:lnSpc>
+            </a:pPr>
+            <a:r>
+              <a:rPr lang="ru-RU" sz="6000" dirty="0">
+                <a:latin typeface="Arial" panose="020B0604020202020204" pitchFamily="34" charset="0"/>
+                <a:cs typeface="Arial" panose="020B0604020202020204" pitchFamily="34" charset="0"/>
+              </a:rPr>
+              <a:t>Изменение товаров</a:t>
+            </a:r>
+          </a:p>
+        </p:txBody>
+      </p:sp>
+      <p:pic>
+        <p:nvPicPr>
+          <p:cNvPr id="4" name="Рисунок 3">
+            <a:extLst>
+              <a:ext uri="{FF2B5EF4-FFF2-40B4-BE49-F238E27FC236}">
+                <a16:creationId xmlns:a16="http://schemas.microsoft.com/office/drawing/2014/main" id="{D18A036D-9878-49DA-2A89-03371A7776F9}"/>
+              </a:ext>
+            </a:extLst>
+          </p:cNvPr>
+          <p:cNvPicPr>
+            <a:picLocks noChangeAspect="1"/>
+          </p:cNvPicPr>
+          <p:nvPr/>
+        </p:nvPicPr>
+        <p:blipFill>
+          <a:blip r:embed="rId2"/>
+          <a:stretch>
+            <a:fillRect/>
+          </a:stretch>
+        </p:blipFill>
+        <p:spPr>
+          <a:xfrm>
+            <a:off x="5017709" y="461865"/>
+            <a:ext cx="6510344" cy="5934269"/>
+          </a:xfrm>
+          <a:prstGeom prst="rect">
+            <a:avLst/>
+          </a:prstGeom>
+        </p:spPr>
+      </p:pic>
+    </p:spTree>
+    <p:extLst>
+      <p:ext uri="{BB962C8B-B14F-4D97-AF65-F5344CB8AC3E}">
+        <p14:creationId xmlns:p14="http://schemas.microsoft.com/office/powerpoint/2010/main" val="2588854031"/>
+      </p:ext>
+    </p:extLst>
+  </p:cSld>
+  <p:clrMapOvr>
+    <a:masterClrMapping/>
+  </p:clrMapOvr>
+  <mc:AlternateContent xmlns:mc="http://schemas.openxmlformats.org/markup-compatibility/2006">
+    <mc:Choice xmlns:p14="http://schemas.microsoft.com/office/powerpoint/2010/main" Requires="p14">
+      <p:transition spd="slow" p14:dur="1250">
+        <p14:switch dir="r"/>
+      </p:transition>
+    </mc:Choice>
+    <mc:Fallback>
+      <p:transition spd="slow">
+        <p:fade/>
+      </p:transition>
+    </mc:Fallback>
+  </mc:AlternateContent>
+  <p:timing>
+    <p:tnLst>
+      <p:par>
+        <p:cTn id="1" dur="indefinite" restart="never" nodeType="tmRoot">
+          <p:childTnLst>
+            <p:seq concurrent="1" nextAc="seek">
+              <p:cTn id="2" dur="indefinite" nodeType="mainSeq">
+                <p:childTnLst>
+                  <p:par>
+                    <p:cTn id="3" fill="hold">
+                      <p:stCondLst>
+                        <p:cond delay="indefinite"/>
+                        <p:cond evt="onBegin" delay="0">
+                          <p:tn val="2"/>
+                        </p:cond>
+                      </p:stCondLst>
+                      <p:childTnLst>
+                        <p:par>
+                          <p:cTn id="4" fill="hold">
+                            <p:stCondLst>
+                              <p:cond delay="0"/>
+                            </p:stCondLst>
+                            <p:childTnLst>
+                              <p:par>
+                                <p:cTn id="5" presetID="31" presetClass="entr" presetSubtype="0" fill="hold" grpId="0" nodeType="withEffect">
+                                  <p:stCondLst>
+                                    <p:cond delay="0"/>
+                                  </p:stCondLst>
+                                  <p:childTnLst>
+                                    <p:set>
+                                      <p:cBhvr>
+                                        <p:cTn id="6" dur="1" fill="hold">
+                                          <p:stCondLst>
+                                            <p:cond delay="0"/>
+                                          </p:stCondLst>
+                                        </p:cTn>
+                                        <p:tgtEl>
+                                          <p:spTgt spid="5"/>
+                                        </p:tgtEl>
+                                        <p:attrNameLst>
+                                          <p:attrName>style.visibility</p:attrName>
+                                        </p:attrNameLst>
+                                      </p:cBhvr>
+                                      <p:to>
+                                        <p:strVal val="visible"/>
+                                      </p:to>
+                                    </p:set>
+                                    <p:anim calcmode="lin" valueType="num">
+                                      <p:cBhvr>
+                                        <p:cTn id="7" dur="1000" fill="hold"/>
+                                        <p:tgtEl>
+                                          <p:spTgt spid="5"/>
+                                        </p:tgtEl>
+                                        <p:attrNameLst>
+                                          <p:attrName>ppt_w</p:attrName>
+                                        </p:attrNameLst>
+                                      </p:cBhvr>
+                                      <p:tavLst>
+                                        <p:tav tm="0">
+                                          <p:val>
+                                            <p:fltVal val="0"/>
+                                          </p:val>
+                                        </p:tav>
+                                        <p:tav tm="100000">
+                                          <p:val>
+                                            <p:strVal val="#ppt_w"/>
+                                          </p:val>
+                                        </p:tav>
+                                      </p:tavLst>
+                                    </p:anim>
+                                    <p:anim calcmode="lin" valueType="num">
+                                      <p:cBhvr>
+                                        <p:cTn id="8" dur="1000" fill="hold"/>
+                                        <p:tgtEl>
+                                          <p:spTgt spid="5"/>
+                                        </p:tgtEl>
+                                        <p:attrNameLst>
+                                          <p:attrName>ppt_h</p:attrName>
+                                        </p:attrNameLst>
+                                      </p:cBhvr>
+                                      <p:tavLst>
+                                        <p:tav tm="0">
+                                          <p:val>
+                                            <p:fltVal val="0"/>
+                                          </p:val>
+                                        </p:tav>
+                                        <p:tav tm="100000">
+                                          <p:val>
+                                            <p:strVal val="#ppt_h"/>
+                                          </p:val>
+                                        </p:tav>
+                                      </p:tavLst>
+                                    </p:anim>
+                                    <p:anim calcmode="lin" valueType="num">
+                                      <p:cBhvr>
+                                        <p:cTn id="9" dur="1000" fill="hold"/>
+                                        <p:tgtEl>
+                                          <p:spTgt spid="5"/>
+                                        </p:tgtEl>
+                                        <p:attrNameLst>
+                                          <p:attrName>style.rotation</p:attrName>
+                                        </p:attrNameLst>
+                                      </p:cBhvr>
+                                      <p:tavLst>
+                                        <p:tav tm="0">
+                                          <p:val>
+                                            <p:fltVal val="90"/>
+                                          </p:val>
+                                        </p:tav>
+                                        <p:tav tm="100000">
+                                          <p:val>
+                                            <p:fltVal val="0"/>
+                                          </p:val>
+                                        </p:tav>
+                                      </p:tavLst>
+                                    </p:anim>
+                                    <p:animEffect transition="in" filter="fade">
+                                      <p:cBhvr>
+                                        <p:cTn id="10" dur="1000"/>
+                                        <p:tgtEl>
+                                          <p:spTgt spid="5"/>
+                                        </p:tgtEl>
+                                      </p:cBhvr>
+                                    </p:animEffect>
+                                  </p:childTnLst>
+                                </p:cTn>
+                              </p:par>
+                            </p:childTnLst>
+                          </p:cTn>
+                        </p:par>
+                      </p:childTnLst>
+                    </p:cTn>
+                  </p:par>
+                </p:childTnLst>
+              </p:cTn>
+              <p:prevCondLst>
+                <p:cond evt="onPrev" delay="0">
+                  <p:tgtEl>
+                    <p:sldTgt/>
+                  </p:tgtEl>
+                </p:cond>
+              </p:prevCondLst>
+              <p:nextCondLst>
+                <p:cond evt="onNext" delay="0">
+                  <p:tgtEl>
+                    <p:sldTgt/>
+                  </p:tgtEl>
+                </p:cond>
+              </p:nextCondLst>
+            </p:seq>
+          </p:childTnLst>
+        </p:cTn>
+      </p:par>
+    </p:tnLst>
+    <p:bldLst>
+      <p:bldP spid="5" grpId="0"/>
+    </p:bldLst>
+  </p:timing>
+</p:sld>
+</file>
+
+<file path=ppt/slides/slide16.xml><?xml version="1.0" encoding="utf-8"?>
 <p:sld xmlns:a="http://schemas.openxmlformats.org/drawingml/2006/main" xmlns:r="http://schemas.openxmlformats.org/officeDocument/2006/relationships" xmlns:p="http://schemas.openxmlformats.org/presentationml/2006/main">
   <p:cSld>
     <p:spTree>
@@ -7609,7 +9524,7 @@
         <p:spPr>
           <a:xfrm>
             <a:off x="733779" y="721447"/>
-            <a:ext cx="10106966" cy="1373518"/>
+            <a:ext cx="10106966" cy="655372"/>
           </a:xfrm>
           <a:prstGeom prst="rect">
             <a:avLst/>
@@ -7674,27 +9589,7 @@
                 <a:latin typeface="Arial" panose="020B0604020202020204" pitchFamily="34" charset="0"/>
                 <a:cs typeface="Arial" panose="020B0604020202020204" pitchFamily="34" charset="0"/>
               </a:rPr>
-              <a:t> и авторизации</a:t>
-            </a:r>
-            <a:r>
-              <a:rPr lang="en-US" sz="4000" dirty="0">
-                <a:solidFill>
-                  <a:srgbClr val="000000"/>
-                </a:solidFill>
-                <a:latin typeface="Arial" panose="020B0604020202020204" pitchFamily="34" charset="0"/>
-                <a:cs typeface="Arial" panose="020B0604020202020204" pitchFamily="34" charset="0"/>
-              </a:rPr>
-              <a:t> </a:t>
-            </a:r>
-            <a:r>
-              <a:rPr lang="en-US" sz="4000" dirty="0" err="1">
-                <a:solidFill>
-                  <a:srgbClr val="000000"/>
-                </a:solidFill>
-                <a:latin typeface="Arial" panose="020B0604020202020204" pitchFamily="34" charset="0"/>
-                <a:cs typeface="Arial" panose="020B0604020202020204" pitchFamily="34" charset="0"/>
-              </a:rPr>
-              <a:t>пользователя</a:t>
+              <a:t>, авторизации</a:t>
             </a:r>
             <a:endParaRPr lang="en-US" sz="4000" dirty="0">
               <a:solidFill>
@@ -7708,10 +9603,10 @@
       </p:sp>
       <p:pic>
         <p:nvPicPr>
-          <p:cNvPr id="5" name="Рисунок 4">
+          <p:cNvPr id="2" name="Рисунок 1">
             <a:extLst>
               <a:ext uri="{FF2B5EF4-FFF2-40B4-BE49-F238E27FC236}">
-                <a16:creationId xmlns:a16="http://schemas.microsoft.com/office/drawing/2014/main" id="{4478C196-0083-407E-AA99-3677B9D35516}"/>
+                <a16:creationId xmlns:a16="http://schemas.microsoft.com/office/drawing/2014/main" id="{7CFFAE15-8E4E-BBFE-DF45-8A1D9BAC2EE2}"/>
               </a:ext>
             </a:extLst>
           </p:cNvPr>
@@ -7728,8 +9623,8 @@
         </p:blipFill>
         <p:spPr>
           <a:xfrm>
-            <a:off x="857955" y="1698346"/>
-            <a:ext cx="3217334" cy="4093483"/>
+            <a:off x="1197375" y="1429305"/>
+            <a:ext cx="3587410" cy="4770961"/>
           </a:xfrm>
           <a:prstGeom prst="rect">
             <a:avLst/>
@@ -7738,10 +9633,10 @@
       </p:pic>
       <p:pic>
         <p:nvPicPr>
-          <p:cNvPr id="7" name="Рисунок 6">
+          <p:cNvPr id="4" name="Рисунок 3">
             <a:extLst>
               <a:ext uri="{FF2B5EF4-FFF2-40B4-BE49-F238E27FC236}">
-                <a16:creationId xmlns:a16="http://schemas.microsoft.com/office/drawing/2014/main" id="{D74E6983-13C9-4782-9869-F59E67379381}"/>
+                <a16:creationId xmlns:a16="http://schemas.microsoft.com/office/drawing/2014/main" id="{3D68F491-5578-C425-BB9E-CE894CB25A79}"/>
               </a:ext>
             </a:extLst>
           </p:cNvPr>
@@ -7758,8 +9653,8 @@
         </p:blipFill>
         <p:spPr>
           <a:xfrm>
-            <a:off x="6672262" y="2368726"/>
-            <a:ext cx="4333875" cy="2752725"/>
+            <a:off x="5787262" y="1517147"/>
+            <a:ext cx="4772025" cy="3590925"/>
           </a:xfrm>
           <a:prstGeom prst="rect">
             <a:avLst/>
@@ -8583,6 +10478,302 @@
           <a:chExt cx="0" cy="0"/>
         </a:xfrm>
       </p:grpSpPr>
+      <p:sp>
+        <p:nvSpPr>
+          <p:cNvPr id="3" name="TextBox 3"/>
+          <p:cNvSpPr txBox="1"/>
+          <p:nvPr/>
+        </p:nvSpPr>
+        <p:spPr>
+          <a:xfrm>
+            <a:off x="1351255" y="721447"/>
+            <a:ext cx="9489489" cy="655372"/>
+          </a:xfrm>
+          <a:prstGeom prst="rect">
+            <a:avLst/>
+          </a:prstGeom>
+        </p:spPr>
+        <p:txBody>
+          <a:bodyPr wrap="square" lIns="0" tIns="0" rIns="0" bIns="0" rtlCol="0" anchor="t">
+            <a:spAutoFit/>
+          </a:bodyPr>
+          <a:lstStyle/>
+          <a:p>
+            <a:pPr algn="ctr">
+              <a:lnSpc>
+                <a:spcPts val="5600"/>
+              </a:lnSpc>
+            </a:pPr>
+            <a:r>
+              <a:rPr lang="en-US" sz="4000" dirty="0" err="1">
+                <a:solidFill>
+                  <a:srgbClr val="000000"/>
+                </a:solidFill>
+                <a:latin typeface="Arial" panose="020B0604020202020204" pitchFamily="34" charset="0"/>
+                <a:cs typeface="Arial" panose="020B0604020202020204" pitchFamily="34" charset="0"/>
+              </a:rPr>
+              <a:t>Интерфейс</a:t>
+            </a:r>
+            <a:r>
+              <a:rPr lang="en-US" sz="4000" dirty="0">
+                <a:solidFill>
+                  <a:srgbClr val="000000"/>
+                </a:solidFill>
+                <a:latin typeface="Arial" panose="020B0604020202020204" pitchFamily="34" charset="0"/>
+                <a:cs typeface="Arial" panose="020B0604020202020204" pitchFamily="34" charset="0"/>
+              </a:rPr>
+              <a:t> </a:t>
+            </a:r>
+            <a:r>
+              <a:rPr lang="ru-RU" sz="4000" dirty="0">
+                <a:solidFill>
+                  <a:srgbClr val="000000"/>
+                </a:solidFill>
+                <a:latin typeface="Arial" panose="020B0604020202020204" pitchFamily="34" charset="0"/>
+                <a:cs typeface="Arial" panose="020B0604020202020204" pitchFamily="34" charset="0"/>
+              </a:rPr>
+              <a:t>панели администратора</a:t>
+            </a:r>
+            <a:endParaRPr lang="en-US" sz="4000" dirty="0">
+              <a:solidFill>
+                <a:srgbClr val="000000"/>
+              </a:solidFill>
+              <a:latin typeface="Arial" panose="020B0604020202020204" pitchFamily="34" charset="0"/>
+              <a:cs typeface="Arial" panose="020B0604020202020204" pitchFamily="34" charset="0"/>
+            </a:endParaRPr>
+          </a:p>
+        </p:txBody>
+      </p:sp>
+      <p:pic>
+        <p:nvPicPr>
+          <p:cNvPr id="2" name="Рисунок 1">
+            <a:extLst>
+              <a:ext uri="{FF2B5EF4-FFF2-40B4-BE49-F238E27FC236}">
+                <a16:creationId xmlns:a16="http://schemas.microsoft.com/office/drawing/2014/main" id="{483014E4-C6A3-D0BD-58A8-31AA378A68C5}"/>
+              </a:ext>
+            </a:extLst>
+          </p:cNvPr>
+          <p:cNvPicPr>
+            <a:picLocks noChangeAspect="1"/>
+          </p:cNvPicPr>
+          <p:nvPr/>
+        </p:nvPicPr>
+        <p:blipFill>
+          <a:blip r:embed="rId2"/>
+          <a:stretch>
+            <a:fillRect/>
+          </a:stretch>
+        </p:blipFill>
+        <p:spPr>
+          <a:xfrm>
+            <a:off x="1757550" y="1836104"/>
+            <a:ext cx="8499995" cy="3783459"/>
+          </a:xfrm>
+          <a:prstGeom prst="rect">
+            <a:avLst/>
+          </a:prstGeom>
+        </p:spPr>
+      </p:pic>
+    </p:spTree>
+    <p:extLst>
+      <p:ext uri="{BB962C8B-B14F-4D97-AF65-F5344CB8AC3E}">
+        <p14:creationId xmlns:p14="http://schemas.microsoft.com/office/powerpoint/2010/main" val="550904519"/>
+      </p:ext>
+    </p:extLst>
+  </p:cSld>
+  <p:clrMapOvr>
+    <a:masterClrMapping/>
+  </p:clrMapOvr>
+  <mc:AlternateContent xmlns:mc="http://schemas.openxmlformats.org/markup-compatibility/2006">
+    <mc:Choice xmlns:p14="http://schemas.microsoft.com/office/powerpoint/2010/main" Requires="p14">
+      <p:transition spd="slow" p14:dur="1250">
+        <p14:switch dir="r"/>
+      </p:transition>
+    </mc:Choice>
+    <mc:Fallback>
+      <p:transition spd="slow">
+        <p:fade/>
+      </p:transition>
+    </mc:Fallback>
+  </mc:AlternateContent>
+  <p:timing>
+    <p:tnLst>
+      <p:par>
+        <p:cTn id="1" dur="indefinite" restart="never" nodeType="tmRoot">
+          <p:childTnLst>
+            <p:seq concurrent="1" nextAc="seek">
+              <p:cTn id="2" dur="indefinite" nodeType="mainSeq">
+                <p:childTnLst>
+                  <p:par>
+                    <p:cTn id="3" fill="hold">
+                      <p:stCondLst>
+                        <p:cond delay="indefinite"/>
+                        <p:cond evt="onBegin" delay="0">
+                          <p:tn val="2"/>
+                        </p:cond>
+                      </p:stCondLst>
+                      <p:childTnLst>
+                        <p:par>
+                          <p:cTn id="4" fill="hold">
+                            <p:stCondLst>
+                              <p:cond delay="0"/>
+                            </p:stCondLst>
+                            <p:childTnLst>
+                              <p:par>
+                                <p:cTn id="5" presetID="31" presetClass="entr" presetSubtype="0" fill="hold" grpId="0" nodeType="withEffect">
+                                  <p:stCondLst>
+                                    <p:cond delay="0"/>
+                                  </p:stCondLst>
+                                  <p:childTnLst>
+                                    <p:set>
+                                      <p:cBhvr>
+                                        <p:cTn id="6" dur="1" fill="hold">
+                                          <p:stCondLst>
+                                            <p:cond delay="0"/>
+                                          </p:stCondLst>
+                                        </p:cTn>
+                                        <p:tgtEl>
+                                          <p:spTgt spid="3"/>
+                                        </p:tgtEl>
+                                        <p:attrNameLst>
+                                          <p:attrName>style.visibility</p:attrName>
+                                        </p:attrNameLst>
+                                      </p:cBhvr>
+                                      <p:to>
+                                        <p:strVal val="visible"/>
+                                      </p:to>
+                                    </p:set>
+                                    <p:anim calcmode="lin" valueType="num">
+                                      <p:cBhvr>
+                                        <p:cTn id="7" dur="1000" fill="hold"/>
+                                        <p:tgtEl>
+                                          <p:spTgt spid="3"/>
+                                        </p:tgtEl>
+                                        <p:attrNameLst>
+                                          <p:attrName>ppt_w</p:attrName>
+                                        </p:attrNameLst>
+                                      </p:cBhvr>
+                                      <p:tavLst>
+                                        <p:tav tm="0">
+                                          <p:val>
+                                            <p:fltVal val="0"/>
+                                          </p:val>
+                                        </p:tav>
+                                        <p:tav tm="100000">
+                                          <p:val>
+                                            <p:strVal val="#ppt_w"/>
+                                          </p:val>
+                                        </p:tav>
+                                      </p:tavLst>
+                                    </p:anim>
+                                    <p:anim calcmode="lin" valueType="num">
+                                      <p:cBhvr>
+                                        <p:cTn id="8" dur="1000" fill="hold"/>
+                                        <p:tgtEl>
+                                          <p:spTgt spid="3"/>
+                                        </p:tgtEl>
+                                        <p:attrNameLst>
+                                          <p:attrName>ppt_h</p:attrName>
+                                        </p:attrNameLst>
+                                      </p:cBhvr>
+                                      <p:tavLst>
+                                        <p:tav tm="0">
+                                          <p:val>
+                                            <p:fltVal val="0"/>
+                                          </p:val>
+                                        </p:tav>
+                                        <p:tav tm="100000">
+                                          <p:val>
+                                            <p:strVal val="#ppt_h"/>
+                                          </p:val>
+                                        </p:tav>
+                                      </p:tavLst>
+                                    </p:anim>
+                                    <p:anim calcmode="lin" valueType="num">
+                                      <p:cBhvr>
+                                        <p:cTn id="9" dur="1000" fill="hold"/>
+                                        <p:tgtEl>
+                                          <p:spTgt spid="3"/>
+                                        </p:tgtEl>
+                                        <p:attrNameLst>
+                                          <p:attrName>style.rotation</p:attrName>
+                                        </p:attrNameLst>
+                                      </p:cBhvr>
+                                      <p:tavLst>
+                                        <p:tav tm="0">
+                                          <p:val>
+                                            <p:fltVal val="90"/>
+                                          </p:val>
+                                        </p:tav>
+                                        <p:tav tm="100000">
+                                          <p:val>
+                                            <p:fltVal val="0"/>
+                                          </p:val>
+                                        </p:tav>
+                                      </p:tavLst>
+                                    </p:anim>
+                                    <p:animEffect transition="in" filter="fade">
+                                      <p:cBhvr>
+                                        <p:cTn id="10" dur="1000"/>
+                                        <p:tgtEl>
+                                          <p:spTgt spid="3"/>
+                                        </p:tgtEl>
+                                      </p:cBhvr>
+                                    </p:animEffect>
+                                  </p:childTnLst>
+                                </p:cTn>
+                              </p:par>
+                            </p:childTnLst>
+                          </p:cTn>
+                        </p:par>
+                      </p:childTnLst>
+                    </p:cTn>
+                  </p:par>
+                </p:childTnLst>
+              </p:cTn>
+              <p:prevCondLst>
+                <p:cond evt="onPrev" delay="0">
+                  <p:tgtEl>
+                    <p:sldTgt/>
+                  </p:tgtEl>
+                </p:cond>
+              </p:prevCondLst>
+              <p:nextCondLst>
+                <p:cond evt="onNext" delay="0">
+                  <p:tgtEl>
+                    <p:sldTgt/>
+                  </p:tgtEl>
+                </p:cond>
+              </p:nextCondLst>
+            </p:seq>
+          </p:childTnLst>
+        </p:cTn>
+      </p:par>
+    </p:tnLst>
+    <p:bldLst>
+      <p:bldP spid="3" grpId="0"/>
+    </p:bldLst>
+  </p:timing>
+</p:sld>
+</file>
+
+<file path=ppt/slides/slide8.xml><?xml version="1.0" encoding="utf-8"?>
+<p:sld xmlns:a="http://schemas.openxmlformats.org/drawingml/2006/main" xmlns:r="http://schemas.openxmlformats.org/officeDocument/2006/relationships" xmlns:p="http://schemas.openxmlformats.org/presentationml/2006/main">
+  <p:cSld>
+    <p:spTree>
+      <p:nvGrpSpPr>
+        <p:cNvPr id="1" name=""/>
+        <p:cNvGrpSpPr/>
+        <p:nvPr/>
+      </p:nvGrpSpPr>
+      <p:grpSpPr>
+        <a:xfrm>
+          <a:off x="0" y="0"/>
+          <a:ext cx="0" cy="0"/>
+          <a:chOff x="0" y="0"/>
+          <a:chExt cx="0" cy="0"/>
+        </a:xfrm>
+      </p:grpSpPr>
       <p:pic>
         <p:nvPicPr>
           <p:cNvPr id="3" name="Picture 3"/>
@@ -10128,7 +12319,7 @@
 </p:sld>
 </file>
 
-<file path=ppt/slides/slide8.xml><?xml version="1.0" encoding="utf-8"?>
+<file path=ppt/slides/slide9.xml><?xml version="1.0" encoding="utf-8"?>
 <p:sld xmlns:a="http://schemas.openxmlformats.org/drawingml/2006/main" xmlns:r="http://schemas.openxmlformats.org/officeDocument/2006/relationships" xmlns:p="http://schemas.openxmlformats.org/presentationml/2006/main">
   <p:cSld>
     <p:spTree>
@@ -10147,14 +12338,14 @@
       </p:grpSpPr>
       <p:sp>
         <p:nvSpPr>
-          <p:cNvPr id="5" name="TextBox 5"/>
+          <p:cNvPr id="7" name="TextBox 7"/>
           <p:cNvSpPr txBox="1"/>
           <p:nvPr/>
         </p:nvSpPr>
         <p:spPr>
           <a:xfrm>
-            <a:off x="867719" y="345979"/>
-            <a:ext cx="2958693" cy="2060308"/>
+            <a:off x="1656426" y="678517"/>
+            <a:ext cx="7521870" cy="655372"/>
           </a:xfrm>
           <a:prstGeom prst="rect">
             <a:avLst/>
@@ -10168,57 +12359,23 @@
           <a:p>
             <a:pPr algn="ctr">
               <a:lnSpc>
-                <a:spcPts val="8400"/>
+                <a:spcPts val="5600"/>
               </a:lnSpc>
             </a:pPr>
             <a:r>
-              <a:rPr lang="ru-RU" sz="6000" dirty="0">
+              <a:rPr lang="ru-RU" sz="4000" dirty="0">
+                <a:solidFill>
+                  <a:srgbClr val="000000"/>
+                </a:solidFill>
                 <a:latin typeface="Arial" panose="020B0604020202020204" pitchFamily="34" charset="0"/>
                 <a:cs typeface="Arial" panose="020B0604020202020204" pitchFamily="34" charset="0"/>
               </a:rPr>
-              <a:t>Пример кода</a:t>
-            </a:r>
-            <a:endParaRPr lang="en-US" sz="6000" dirty="0">
-              <a:latin typeface="Arial" panose="020B0604020202020204" pitchFamily="34" charset="0"/>
-              <a:cs typeface="Arial" panose="020B0604020202020204" pitchFamily="34" charset="0"/>
-            </a:endParaRPr>
-          </a:p>
-        </p:txBody>
-      </p:sp>
-      <p:sp>
-        <p:nvSpPr>
-          <p:cNvPr id="6" name="TextBox 6"/>
-          <p:cNvSpPr txBox="1"/>
-          <p:nvPr/>
-        </p:nvSpPr>
-        <p:spPr>
-          <a:xfrm>
-            <a:off x="639434" y="3067756"/>
-            <a:ext cx="3796574" cy="1829219"/>
-          </a:xfrm>
-          <a:prstGeom prst="rect">
-            <a:avLst/>
-          </a:prstGeom>
-        </p:spPr>
-        <p:txBody>
-          <a:bodyPr wrap="square" lIns="0" tIns="0" rIns="0" bIns="0" rtlCol="0" anchor="t">
-            <a:spAutoFit/>
-          </a:bodyPr>
-          <a:lstStyle/>
-          <a:p>
-            <a:pPr algn="ctr">
-              <a:lnSpc>
-                <a:spcPts val="4854"/>
-              </a:lnSpc>
-            </a:pPr>
-            <a:r>
-              <a:rPr lang="ru-RU" sz="3467" dirty="0">
-                <a:latin typeface="Arial" panose="020B0604020202020204" pitchFamily="34" charset="0"/>
-                <a:cs typeface="Arial" panose="020B0604020202020204" pitchFamily="34" charset="0"/>
-              </a:rPr>
-              <a:t>Добавление товара в корзину пользователя</a:t>
-            </a:r>
-            <a:endParaRPr lang="en-US" sz="3467" dirty="0">
+              <a:t>Проектирование базы данных</a:t>
+            </a:r>
+            <a:endParaRPr lang="en-US" sz="4000" dirty="0">
+              <a:solidFill>
+                <a:srgbClr val="000000"/>
+              </a:solidFill>
               <a:latin typeface="Arial" panose="020B0604020202020204" pitchFamily="34" charset="0"/>
               <a:cs typeface="Arial" panose="020B0604020202020204" pitchFamily="34" charset="0"/>
             </a:endParaRPr>
@@ -10227,10 +12384,10 @@
       </p:sp>
       <p:pic>
         <p:nvPicPr>
-          <p:cNvPr id="4" name="Рисунок 3">
+          <p:cNvPr id="13" name="Рисунок 12">
             <a:extLst>
               <a:ext uri="{FF2B5EF4-FFF2-40B4-BE49-F238E27FC236}">
-                <a16:creationId xmlns:a16="http://schemas.microsoft.com/office/drawing/2014/main" id="{5852D0F2-150E-4612-AA38-558B1363D252}"/>
+                <a16:creationId xmlns:a16="http://schemas.microsoft.com/office/drawing/2014/main" id="{6B5CDA58-24C5-48CB-B79A-B1CA61542D84}"/>
               </a:ext>
             </a:extLst>
           </p:cNvPr>
@@ -10247,8 +12404,8 @@
         </p:blipFill>
         <p:spPr>
           <a:xfrm>
-            <a:off x="4436008" y="1019881"/>
-            <a:ext cx="6334125" cy="4095750"/>
+            <a:off x="2834288" y="1475774"/>
+            <a:ext cx="6115050" cy="4314825"/>
           </a:xfrm>
           <a:prstGeom prst="rect">
             <a:avLst/>
@@ -10256,17 +12413,22 @@
         </p:spPr>
       </p:pic>
     </p:spTree>
+    <p:extLst>
+      <p:ext uri="{BB962C8B-B14F-4D97-AF65-F5344CB8AC3E}">
+        <p14:creationId xmlns:p14="http://schemas.microsoft.com/office/powerpoint/2010/main" val="2954149150"/>
+      </p:ext>
+    </p:extLst>
   </p:cSld>
   <p:clrMapOvr>
     <a:masterClrMapping/>
   </p:clrMapOvr>
-  <mc:AlternateContent xmlns:mc="http://schemas.openxmlformats.org/markup-compatibility/2006" xmlns:p14="http://schemas.microsoft.com/office/powerpoint/2010/main">
-    <mc:Choice Requires="p14">
+  <mc:AlternateContent xmlns:mc="http://schemas.openxmlformats.org/markup-compatibility/2006">
+    <mc:Choice xmlns:p14="http://schemas.microsoft.com/office/powerpoint/2010/main" Requires="p14">
       <p:transition spd="slow" p14:dur="1250">
         <p14:switch dir="r"/>
       </p:transition>
     </mc:Choice>
-    <mc:Fallback xmlns="">
+    <mc:Fallback>
       <p:transition spd="slow">
         <p:fade/>
       </p:transition>
@@ -10309,7 +12471,7 @@
                                           </p:stCondLst>
                                         </p:cTn>
                                         <p:tgtEl>
-                                          <p:spTgt spid="5"/>
+                                          <p:spTgt spid="7"/>
                                         </p:tgtEl>
                                         <p:attrNameLst>
                                           <p:attrName>style.visibility</p:attrName>
@@ -10323,7 +12485,7 @@
                                       <p:cBhvr>
                                         <p:cTn id="7" dur="1000" fill="hold"/>
                                         <p:tgtEl>
-                                          <p:spTgt spid="5"/>
+                                          <p:spTgt spid="7"/>
                                         </p:tgtEl>
                                         <p:attrNameLst>
                                           <p:attrName>ppt_w</p:attrName>
@@ -10346,7 +12508,7 @@
                                       <p:cBhvr>
                                         <p:cTn id="8" dur="1000" fill="hold"/>
                                         <p:tgtEl>
-                                          <p:spTgt spid="5"/>
+                                          <p:spTgt spid="7"/>
                                         </p:tgtEl>
                                         <p:attrNameLst>
                                           <p:attrName>ppt_h</p:attrName>
@@ -10369,7 +12531,7 @@
                                       <p:cBhvr>
                                         <p:cTn id="9" dur="1000" fill="hold"/>
                                         <p:tgtEl>
-                                          <p:spTgt spid="5"/>
+                                          <p:spTgt spid="7"/>
                                         </p:tgtEl>
                                         <p:attrNameLst>
                                           <p:attrName>style.rotation</p:attrName>
@@ -10392,111 +12554,7 @@
                                       <p:cBhvr>
                                         <p:cTn id="10" dur="1000"/>
                                         <p:tgtEl>
-                                          <p:spTgt spid="5"/>
-                                        </p:tgtEl>
-                                      </p:cBhvr>
-                                    </p:animEffect>
-                                  </p:childTnLst>
-                                </p:cTn>
-                              </p:par>
-                              <p:par>
-                                <p:cTn id="11" presetID="31" presetClass="entr" presetSubtype="0" fill="hold" grpId="0" nodeType="withEffect">
-                                  <p:stCondLst>
-                                    <p:cond delay="0"/>
-                                  </p:stCondLst>
-                                  <p:childTnLst>
-                                    <p:set>
-                                      <p:cBhvr>
-                                        <p:cTn id="12" dur="1" fill="hold">
-                                          <p:stCondLst>
-                                            <p:cond delay="0"/>
-                                          </p:stCondLst>
-                                        </p:cTn>
-                                        <p:tgtEl>
-                                          <p:spTgt spid="6"/>
-                                        </p:tgtEl>
-                                        <p:attrNameLst>
-                                          <p:attrName>style.visibility</p:attrName>
-                                        </p:attrNameLst>
-                                      </p:cBhvr>
-                                      <p:to>
-                                        <p:strVal val="visible"/>
-                                      </p:to>
-                                    </p:set>
-                                    <p:anim calcmode="lin" valueType="num">
-                                      <p:cBhvr>
-                                        <p:cTn id="13" dur="1000" fill="hold"/>
-                                        <p:tgtEl>
-                                          <p:spTgt spid="6"/>
-                                        </p:tgtEl>
-                                        <p:attrNameLst>
-                                          <p:attrName>ppt_w</p:attrName>
-                                        </p:attrNameLst>
-                                      </p:cBhvr>
-                                      <p:tavLst>
-                                        <p:tav tm="0">
-                                          <p:val>
-                                            <p:fltVal val="0"/>
-                                          </p:val>
-                                        </p:tav>
-                                        <p:tav tm="100000">
-                                          <p:val>
-                                            <p:strVal val="#ppt_w"/>
-                                          </p:val>
-                                        </p:tav>
-                                      </p:tavLst>
-                                    </p:anim>
-                                    <p:anim calcmode="lin" valueType="num">
-                                      <p:cBhvr>
-                                        <p:cTn id="14" dur="1000" fill="hold"/>
-                                        <p:tgtEl>
-                                          <p:spTgt spid="6"/>
-                                        </p:tgtEl>
-                                        <p:attrNameLst>
-                                          <p:attrName>ppt_h</p:attrName>
-                                        </p:attrNameLst>
-                                      </p:cBhvr>
-                                      <p:tavLst>
-                                        <p:tav tm="0">
-                                          <p:val>
-                                            <p:fltVal val="0"/>
-                                          </p:val>
-                                        </p:tav>
-                                        <p:tav tm="100000">
-                                          <p:val>
-                                            <p:strVal val="#ppt_h"/>
-                                          </p:val>
-                                        </p:tav>
-                                      </p:tavLst>
-                                    </p:anim>
-                                    <p:anim calcmode="lin" valueType="num">
-                                      <p:cBhvr>
-                                        <p:cTn id="15" dur="1000" fill="hold"/>
-                                        <p:tgtEl>
-                                          <p:spTgt spid="6"/>
-                                        </p:tgtEl>
-                                        <p:attrNameLst>
-                                          <p:attrName>style.rotation</p:attrName>
-                                        </p:attrNameLst>
-                                      </p:cBhvr>
-                                      <p:tavLst>
-                                        <p:tav tm="0">
-                                          <p:val>
-                                            <p:fltVal val="90"/>
-                                          </p:val>
-                                        </p:tav>
-                                        <p:tav tm="100000">
-                                          <p:val>
-                                            <p:fltVal val="0"/>
-                                          </p:val>
-                                        </p:tav>
-                                      </p:tavLst>
-                                    </p:anim>
-                                    <p:animEffect transition="in" filter="fade">
-                                      <p:cBhvr>
-                                        <p:cTn id="16" dur="1000"/>
-                                        <p:tgtEl>
-                                          <p:spTgt spid="6"/>
+                                          <p:spTgt spid="7"/>
                                         </p:tgtEl>
                                       </p:cBhvr>
                                     </p:animEffect>
@@ -10531,423 +12589,7 @@
       </p:par>
     </p:tnLst>
     <p:bldLst>
-      <p:bldP spid="5" grpId="0"/>
-      <p:bldP spid="6" grpId="0"/>
-    </p:bldLst>
-  </p:timing>
-</p:sld>
-</file>
-
-<file path=ppt/slides/slide9.xml><?xml version="1.0" encoding="utf-8"?>
-<p:sld xmlns:a="http://schemas.openxmlformats.org/drawingml/2006/main" xmlns:r="http://schemas.openxmlformats.org/officeDocument/2006/relationships" xmlns:p="http://schemas.openxmlformats.org/presentationml/2006/main">
-  <p:cSld>
-    <p:spTree>
-      <p:nvGrpSpPr>
-        <p:cNvPr id="1" name=""/>
-        <p:cNvGrpSpPr/>
-        <p:nvPr/>
-      </p:nvGrpSpPr>
-      <p:grpSpPr>
-        <a:xfrm>
-          <a:off x="0" y="0"/>
-          <a:ext cx="0" cy="0"/>
-          <a:chOff x="0" y="0"/>
-          <a:chExt cx="0" cy="0"/>
-        </a:xfrm>
-      </p:grpSpPr>
-      <p:sp>
-        <p:nvSpPr>
-          <p:cNvPr id="5" name="TextBox 5"/>
-          <p:cNvSpPr txBox="1"/>
-          <p:nvPr/>
-        </p:nvSpPr>
-        <p:spPr>
-          <a:xfrm>
-            <a:off x="867719" y="345979"/>
-            <a:ext cx="2958693" cy="2060308"/>
-          </a:xfrm>
-          <a:prstGeom prst="rect">
-            <a:avLst/>
-          </a:prstGeom>
-        </p:spPr>
-        <p:txBody>
-          <a:bodyPr wrap="square" lIns="0" tIns="0" rIns="0" bIns="0" rtlCol="0" anchor="t">
-            <a:spAutoFit/>
-          </a:bodyPr>
-          <a:lstStyle/>
-          <a:p>
-            <a:pPr algn="ctr">
-              <a:lnSpc>
-                <a:spcPts val="8400"/>
-              </a:lnSpc>
-            </a:pPr>
-            <a:r>
-              <a:rPr lang="ru-RU" sz="6000" dirty="0">
-                <a:latin typeface="Arial" panose="020B0604020202020204" pitchFamily="34" charset="0"/>
-                <a:cs typeface="Arial" panose="020B0604020202020204" pitchFamily="34" charset="0"/>
-              </a:rPr>
-              <a:t>Пример кода</a:t>
-            </a:r>
-            <a:endParaRPr lang="en-US" sz="6000" dirty="0">
-              <a:latin typeface="Arial" panose="020B0604020202020204" pitchFamily="34" charset="0"/>
-              <a:cs typeface="Arial" panose="020B0604020202020204" pitchFamily="34" charset="0"/>
-            </a:endParaRPr>
-          </a:p>
-        </p:txBody>
-      </p:sp>
-      <p:sp>
-        <p:nvSpPr>
-          <p:cNvPr id="6" name="TextBox 6"/>
-          <p:cNvSpPr txBox="1"/>
-          <p:nvPr/>
-        </p:nvSpPr>
-        <p:spPr>
-          <a:xfrm>
-            <a:off x="653365" y="3851293"/>
-            <a:ext cx="3426335" cy="1829219"/>
-          </a:xfrm>
-          <a:prstGeom prst="rect">
-            <a:avLst/>
-          </a:prstGeom>
-        </p:spPr>
-        <p:txBody>
-          <a:bodyPr wrap="square" lIns="0" tIns="0" rIns="0" bIns="0" rtlCol="0" anchor="t">
-            <a:spAutoFit/>
-          </a:bodyPr>
-          <a:lstStyle/>
-          <a:p>
-            <a:pPr algn="ctr">
-              <a:lnSpc>
-                <a:spcPts val="4854"/>
-              </a:lnSpc>
-            </a:pPr>
-            <a:r>
-              <a:rPr lang="ru-RU" sz="3467" dirty="0">
-                <a:latin typeface="Arial" panose="020B0604020202020204" pitchFamily="34" charset="0"/>
-                <a:cs typeface="Arial" panose="020B0604020202020204" pitchFamily="34" charset="0"/>
-              </a:rPr>
-              <a:t>И вывод товаров в корзине</a:t>
-            </a:r>
-            <a:endParaRPr lang="en-US" sz="3467" dirty="0">
-              <a:latin typeface="Arial" panose="020B0604020202020204" pitchFamily="34" charset="0"/>
-              <a:cs typeface="Arial" panose="020B0604020202020204" pitchFamily="34" charset="0"/>
-            </a:endParaRPr>
-          </a:p>
-        </p:txBody>
-      </p:sp>
-      <p:pic>
-        <p:nvPicPr>
-          <p:cNvPr id="3" name="Рисунок 2">
-            <a:extLst>
-              <a:ext uri="{FF2B5EF4-FFF2-40B4-BE49-F238E27FC236}">
-                <a16:creationId xmlns:a16="http://schemas.microsoft.com/office/drawing/2014/main" id="{A7049BF2-E7C0-4D56-8514-98F0D76CD880}"/>
-              </a:ext>
-            </a:extLst>
-          </p:cNvPr>
-          <p:cNvPicPr>
-            <a:picLocks noChangeAspect="1"/>
-          </p:cNvPicPr>
-          <p:nvPr/>
-        </p:nvPicPr>
-        <p:blipFill>
-          <a:blip r:embed="rId2"/>
-          <a:stretch>
-            <a:fillRect/>
-          </a:stretch>
-        </p:blipFill>
-        <p:spPr>
-          <a:xfrm>
-            <a:off x="4079700" y="1570055"/>
-            <a:ext cx="7324725" cy="4562475"/>
-          </a:xfrm>
-          <a:prstGeom prst="rect">
-            <a:avLst/>
-          </a:prstGeom>
-        </p:spPr>
-      </p:pic>
-    </p:spTree>
-    <p:extLst>
-      <p:ext uri="{BB962C8B-B14F-4D97-AF65-F5344CB8AC3E}">
-        <p14:creationId xmlns:p14="http://schemas.microsoft.com/office/powerpoint/2010/main" val="3426604564"/>
-      </p:ext>
-    </p:extLst>
-  </p:cSld>
-  <p:clrMapOvr>
-    <a:masterClrMapping/>
-  </p:clrMapOvr>
-  <mc:AlternateContent xmlns:mc="http://schemas.openxmlformats.org/markup-compatibility/2006" xmlns:p14="http://schemas.microsoft.com/office/powerpoint/2010/main">
-    <mc:Choice Requires="p14">
-      <p:transition spd="slow" p14:dur="1250">
-        <p14:switch dir="r"/>
-      </p:transition>
-    </mc:Choice>
-    <mc:Fallback xmlns="">
-      <p:transition spd="slow">
-        <p:fade/>
-      </p:transition>
-    </mc:Fallback>
-  </mc:AlternateContent>
-  <p:timing>
-    <p:tnLst>
-      <p:par>
-        <p:cTn id="1" dur="indefinite" restart="never" nodeType="tmRoot">
-          <p:childTnLst>
-            <p:seq concurrent="1" nextAc="seek">
-              <p:cTn id="2" dur="indefinite" nodeType="mainSeq">
-                <p:childTnLst>
-                  <p:par>
-                    <p:cTn id="3" fill="hold">
-                      <p:stCondLst>
-                        <p:cond delay="indefinite"/>
-                        <p:cond evt="onBegin" delay="0">
-                          <p:tn val="2"/>
-                        </p:cond>
-                      </p:stCondLst>
-                      <p:childTnLst>
-                        <p:par>
-                          <p:cTn id="4" fill="hold">
-                            <p:stCondLst>
-                              <p:cond delay="0"/>
-                            </p:stCondLst>
-                            <p:childTnLst>
-                              <p:par>
-                                <p:cTn id="5" presetID="31" presetClass="entr" presetSubtype="0" fill="hold" grpId="0" nodeType="withEffect">
-                                  <p:stCondLst>
-                                    <p:cond delay="0"/>
-                                  </p:stCondLst>
-                                  <p:childTnLst>
-                                    <p:set>
-                                      <p:cBhvr>
-                                        <p:cTn id="6" dur="1" fill="hold">
-                                          <p:stCondLst>
-                                            <p:cond delay="0"/>
-                                          </p:stCondLst>
-                                        </p:cTn>
-                                        <p:tgtEl>
-                                          <p:spTgt spid="5"/>
-                                        </p:tgtEl>
-                                        <p:attrNameLst>
-                                          <p:attrName>style.visibility</p:attrName>
-                                        </p:attrNameLst>
-                                      </p:cBhvr>
-                                      <p:to>
-                                        <p:strVal val="visible"/>
-                                      </p:to>
-                                    </p:set>
-                                    <p:anim calcmode="lin" valueType="num">
-                                      <p:cBhvr>
-                                        <p:cTn id="7" dur="1000" fill="hold"/>
-                                        <p:tgtEl>
-                                          <p:spTgt spid="5"/>
-                                        </p:tgtEl>
-                                        <p:attrNameLst>
-                                          <p:attrName>ppt_w</p:attrName>
-                                        </p:attrNameLst>
-                                      </p:cBhvr>
-                                      <p:tavLst>
-                                        <p:tav tm="0">
-                                          <p:val>
-                                            <p:fltVal val="0"/>
-                                          </p:val>
-                                        </p:tav>
-                                        <p:tav tm="100000">
-                                          <p:val>
-                                            <p:strVal val="#ppt_w"/>
-                                          </p:val>
-                                        </p:tav>
-                                      </p:tavLst>
-                                    </p:anim>
-                                    <p:anim calcmode="lin" valueType="num">
-                                      <p:cBhvr>
-                                        <p:cTn id="8" dur="1000" fill="hold"/>
-                                        <p:tgtEl>
-                                          <p:spTgt spid="5"/>
-                                        </p:tgtEl>
-                                        <p:attrNameLst>
-                                          <p:attrName>ppt_h</p:attrName>
-                                        </p:attrNameLst>
-                                      </p:cBhvr>
-                                      <p:tavLst>
-                                        <p:tav tm="0">
-                                          <p:val>
-                                            <p:fltVal val="0"/>
-                                          </p:val>
-                                        </p:tav>
-                                        <p:tav tm="100000">
-                                          <p:val>
-                                            <p:strVal val="#ppt_h"/>
-                                          </p:val>
-                                        </p:tav>
-                                      </p:tavLst>
-                                    </p:anim>
-                                    <p:anim calcmode="lin" valueType="num">
-                                      <p:cBhvr>
-                                        <p:cTn id="9" dur="1000" fill="hold"/>
-                                        <p:tgtEl>
-                                          <p:spTgt spid="5"/>
-                                        </p:tgtEl>
-                                        <p:attrNameLst>
-                                          <p:attrName>style.rotation</p:attrName>
-                                        </p:attrNameLst>
-                                      </p:cBhvr>
-                                      <p:tavLst>
-                                        <p:tav tm="0">
-                                          <p:val>
-                                            <p:fltVal val="90"/>
-                                          </p:val>
-                                        </p:tav>
-                                        <p:tav tm="100000">
-                                          <p:val>
-                                            <p:fltVal val="0"/>
-                                          </p:val>
-                                        </p:tav>
-                                      </p:tavLst>
-                                    </p:anim>
-                                    <p:animEffect transition="in" filter="fade">
-                                      <p:cBhvr>
-                                        <p:cTn id="10" dur="1000"/>
-                                        <p:tgtEl>
-                                          <p:spTgt spid="5"/>
-                                        </p:tgtEl>
-                                      </p:cBhvr>
-                                    </p:animEffect>
-                                  </p:childTnLst>
-                                </p:cTn>
-                              </p:par>
-                              <p:par>
-                                <p:cTn id="11" presetID="31" presetClass="entr" presetSubtype="0" fill="hold" grpId="0" nodeType="withEffect">
-                                  <p:stCondLst>
-                                    <p:cond delay="0"/>
-                                  </p:stCondLst>
-                                  <p:childTnLst>
-                                    <p:set>
-                                      <p:cBhvr>
-                                        <p:cTn id="12" dur="1" fill="hold">
-                                          <p:stCondLst>
-                                            <p:cond delay="0"/>
-                                          </p:stCondLst>
-                                        </p:cTn>
-                                        <p:tgtEl>
-                                          <p:spTgt spid="6"/>
-                                        </p:tgtEl>
-                                        <p:attrNameLst>
-                                          <p:attrName>style.visibility</p:attrName>
-                                        </p:attrNameLst>
-                                      </p:cBhvr>
-                                      <p:to>
-                                        <p:strVal val="visible"/>
-                                      </p:to>
-                                    </p:set>
-                                    <p:anim calcmode="lin" valueType="num">
-                                      <p:cBhvr>
-                                        <p:cTn id="13" dur="1000" fill="hold"/>
-                                        <p:tgtEl>
-                                          <p:spTgt spid="6"/>
-                                        </p:tgtEl>
-                                        <p:attrNameLst>
-                                          <p:attrName>ppt_w</p:attrName>
-                                        </p:attrNameLst>
-                                      </p:cBhvr>
-                                      <p:tavLst>
-                                        <p:tav tm="0">
-                                          <p:val>
-                                            <p:fltVal val="0"/>
-                                          </p:val>
-                                        </p:tav>
-                                        <p:tav tm="100000">
-                                          <p:val>
-                                            <p:strVal val="#ppt_w"/>
-                                          </p:val>
-                                        </p:tav>
-                                      </p:tavLst>
-                                    </p:anim>
-                                    <p:anim calcmode="lin" valueType="num">
-                                      <p:cBhvr>
-                                        <p:cTn id="14" dur="1000" fill="hold"/>
-                                        <p:tgtEl>
-                                          <p:spTgt spid="6"/>
-                                        </p:tgtEl>
-                                        <p:attrNameLst>
-                                          <p:attrName>ppt_h</p:attrName>
-                                        </p:attrNameLst>
-                                      </p:cBhvr>
-                                      <p:tavLst>
-                                        <p:tav tm="0">
-                                          <p:val>
-                                            <p:fltVal val="0"/>
-                                          </p:val>
-                                        </p:tav>
-                                        <p:tav tm="100000">
-                                          <p:val>
-                                            <p:strVal val="#ppt_h"/>
-                                          </p:val>
-                                        </p:tav>
-                                      </p:tavLst>
-                                    </p:anim>
-                                    <p:anim calcmode="lin" valueType="num">
-                                      <p:cBhvr>
-                                        <p:cTn id="15" dur="1000" fill="hold"/>
-                                        <p:tgtEl>
-                                          <p:spTgt spid="6"/>
-                                        </p:tgtEl>
-                                        <p:attrNameLst>
-                                          <p:attrName>style.rotation</p:attrName>
-                                        </p:attrNameLst>
-                                      </p:cBhvr>
-                                      <p:tavLst>
-                                        <p:tav tm="0">
-                                          <p:val>
-                                            <p:fltVal val="90"/>
-                                          </p:val>
-                                        </p:tav>
-                                        <p:tav tm="100000">
-                                          <p:val>
-                                            <p:fltVal val="0"/>
-                                          </p:val>
-                                        </p:tav>
-                                      </p:tavLst>
-                                    </p:anim>
-                                    <p:animEffect transition="in" filter="fade">
-                                      <p:cBhvr>
-                                        <p:cTn id="16" dur="1000"/>
-                                        <p:tgtEl>
-                                          <p:spTgt spid="6"/>
-                                        </p:tgtEl>
-                                      </p:cBhvr>
-                                    </p:animEffect>
-                                  </p:childTnLst>
-                                </p:cTn>
-                              </p:par>
-                            </p:childTnLst>
-                          </p:cTn>
-                        </p:par>
-                      </p:childTnLst>
-                    </p:cTn>
-                  </p:par>
-                </p:childTnLst>
-              </p:cTn>
-              <p:prevCondLst>
-                <p:cond evt="onPrev" delay="0">
-                  <p:tgtEl>
-                    <p:sldTgt/>
-                  </p:tgtEl>
-                </p:cond>
-              </p:prevCondLst>
-              <p:nextCondLst>
-                <p:cond evt="onNext" delay="0">
-                  <p:tgtEl>
-                    <p:sldTgt/>
-                  </p:tgtEl>
-                </p:cond>
-              </p:nextCondLst>
-            </p:seq>
-          </p:childTnLst>
-        </p:cTn>
-      </p:par>
-    </p:tnLst>
-    <p:bldLst>
-      <p:bldP spid="5" grpId="0"/>
-      <p:bldP spid="6" grpId="0"/>
+      <p:bldP spid="7" grpId="0"/>
     </p:bldLst>
   </p:timing>
 </p:sld>
